--- a/Calendario2023/presentaciones/16_POO_Herencia.pptx
+++ b/Calendario2023/presentaciones/16_POO_Herencia.pptx
@@ -225,7 +225,7 @@
           <a:p>
             <a:fld id="{DDE721D5-655F-45D2-B717-3C4CD78C8568}" type="datetimeFigureOut">
               <a:rPr lang="es-MX" smtClean="0"/>
-              <a:t>29/08/2022</a:t>
+              <a:t>06/03/2023</a:t>
             </a:fld>
             <a:endParaRPr lang="es-MX" dirty="0"/>
           </a:p>
@@ -674,7 +674,7 @@
           <a:p>
             <a:fld id="{B3F3E716-CACC-4490-AD07-F24B6A68DE47}" type="datetimeFigureOut">
               <a:rPr lang="es-MX" smtClean="0"/>
-              <a:t>29/08/2022</a:t>
+              <a:t>06/03/2023</a:t>
             </a:fld>
             <a:endParaRPr lang="es-MX" dirty="0"/>
           </a:p>
@@ -844,7 +844,7 @@
           <a:p>
             <a:fld id="{B3F3E716-CACC-4490-AD07-F24B6A68DE47}" type="datetimeFigureOut">
               <a:rPr lang="es-MX" smtClean="0"/>
-              <a:t>29/08/2022</a:t>
+              <a:t>06/03/2023</a:t>
             </a:fld>
             <a:endParaRPr lang="es-MX" dirty="0"/>
           </a:p>
@@ -1024,7 +1024,7 @@
           <a:p>
             <a:fld id="{B3F3E716-CACC-4490-AD07-F24B6A68DE47}" type="datetimeFigureOut">
               <a:rPr lang="es-MX" smtClean="0"/>
-              <a:t>29/08/2022</a:t>
+              <a:t>06/03/2023</a:t>
             </a:fld>
             <a:endParaRPr lang="es-MX" dirty="0"/>
           </a:p>
@@ -1177,7 +1177,7 @@
           <a:p>
             <a:fld id="{1D8BD707-D9CF-40AE-B4C6-C98DA3205C09}" type="datetimeFigureOut">
               <a:rPr lang="en-US" smtClean="0"/>
-              <a:t>8/29/2022</a:t>
+              <a:t>3/6/2023</a:t>
             </a:fld>
             <a:endParaRPr lang="en-US" dirty="0"/>
           </a:p>
@@ -1634,7 +1634,7 @@
           <a:p>
             <a:fld id="{B3F3E716-CACC-4490-AD07-F24B6A68DE47}" type="datetimeFigureOut">
               <a:rPr lang="es-MX" smtClean="0"/>
-              <a:t>29/08/2022</a:t>
+              <a:t>06/03/2023</a:t>
             </a:fld>
             <a:endParaRPr lang="es-MX" dirty="0"/>
           </a:p>
@@ -1880,7 +1880,7 @@
           <a:p>
             <a:fld id="{B3F3E716-CACC-4490-AD07-F24B6A68DE47}" type="datetimeFigureOut">
               <a:rPr lang="es-MX" smtClean="0"/>
-              <a:t>29/08/2022</a:t>
+              <a:t>06/03/2023</a:t>
             </a:fld>
             <a:endParaRPr lang="es-MX" dirty="0"/>
           </a:p>
@@ -2168,7 +2168,7 @@
           <a:p>
             <a:fld id="{B3F3E716-CACC-4490-AD07-F24B6A68DE47}" type="datetimeFigureOut">
               <a:rPr lang="es-MX" smtClean="0"/>
-              <a:t>29/08/2022</a:t>
+              <a:t>06/03/2023</a:t>
             </a:fld>
             <a:endParaRPr lang="es-MX" dirty="0"/>
           </a:p>
@@ -2590,7 +2590,7 @@
           <a:p>
             <a:fld id="{B3F3E716-CACC-4490-AD07-F24B6A68DE47}" type="datetimeFigureOut">
               <a:rPr lang="es-MX" smtClean="0"/>
-              <a:t>29/08/2022</a:t>
+              <a:t>06/03/2023</a:t>
             </a:fld>
             <a:endParaRPr lang="es-MX" dirty="0"/>
           </a:p>
@@ -2708,7 +2708,7 @@
           <a:p>
             <a:fld id="{B3F3E716-CACC-4490-AD07-F24B6A68DE47}" type="datetimeFigureOut">
               <a:rPr lang="es-MX" smtClean="0"/>
-              <a:t>29/08/2022</a:t>
+              <a:t>06/03/2023</a:t>
             </a:fld>
             <a:endParaRPr lang="es-MX" dirty="0"/>
           </a:p>
@@ -2803,7 +2803,7 @@
           <a:p>
             <a:fld id="{B3F3E716-CACC-4490-AD07-F24B6A68DE47}" type="datetimeFigureOut">
               <a:rPr lang="es-MX" smtClean="0"/>
-              <a:t>29/08/2022</a:t>
+              <a:t>06/03/2023</a:t>
             </a:fld>
             <a:endParaRPr lang="es-MX" dirty="0"/>
           </a:p>
@@ -3080,7 +3080,7 @@
           <a:p>
             <a:fld id="{B3F3E716-CACC-4490-AD07-F24B6A68DE47}" type="datetimeFigureOut">
               <a:rPr lang="es-MX" smtClean="0"/>
-              <a:t>29/08/2022</a:t>
+              <a:t>06/03/2023</a:t>
             </a:fld>
             <a:endParaRPr lang="es-MX" dirty="0"/>
           </a:p>
@@ -3333,7 +3333,7 @@
           <a:p>
             <a:fld id="{B3F3E716-CACC-4490-AD07-F24B6A68DE47}" type="datetimeFigureOut">
               <a:rPr lang="es-MX" smtClean="0"/>
-              <a:t>29/08/2022</a:t>
+              <a:t>06/03/2023</a:t>
             </a:fld>
             <a:endParaRPr lang="es-MX" dirty="0"/>
           </a:p>
@@ -3546,7 +3546,7 @@
           <a:p>
             <a:fld id="{B3F3E716-CACC-4490-AD07-F24B6A68DE47}" type="datetimeFigureOut">
               <a:rPr lang="es-MX" smtClean="0"/>
-              <a:t>29/08/2022</a:t>
+              <a:t>06/03/2023</a:t>
             </a:fld>
             <a:endParaRPr lang="es-MX" dirty="0"/>
           </a:p>
@@ -4393,6 +4393,42 @@
           <a:chExt cx="0" cy="0"/>
         </a:xfrm>
       </p:grpSpPr>
+      <p:pic>
+        <p:nvPicPr>
+          <p:cNvPr id="4" name="Imagen 3">
+            <a:extLst>
+              <a:ext uri="{FF2B5EF4-FFF2-40B4-BE49-F238E27FC236}">
+                <a16:creationId xmlns:a16="http://schemas.microsoft.com/office/drawing/2014/main" id="{094A3E7A-1A40-A082-72CC-FBBB23F05777}"/>
+              </a:ext>
+            </a:extLst>
+          </p:cNvPr>
+          <p:cNvPicPr>
+            <a:picLocks noChangeAspect="1"/>
+          </p:cNvPicPr>
+          <p:nvPr/>
+        </p:nvPicPr>
+        <p:blipFill>
+          <a:blip r:embed="rId2">
+            <a:extLst>
+              <a:ext uri="{28A0092B-C50C-407E-A947-70E740481C1C}">
+                <a14:useLocalDpi xmlns:a14="http://schemas.microsoft.com/office/drawing/2010/main" val="0"/>
+              </a:ext>
+            </a:extLst>
+          </a:blip>
+          <a:stretch>
+            <a:fillRect/>
+          </a:stretch>
+        </p:blipFill>
+        <p:spPr>
+          <a:xfrm>
+            <a:off x="5868144" y="4509120"/>
+            <a:ext cx="2966988" cy="2275007"/>
+          </a:xfrm>
+          <a:prstGeom prst="rect">
+            <a:avLst/>
+          </a:prstGeom>
+        </p:spPr>
+      </p:pic>
       <p:sp>
         <p:nvSpPr>
           <p:cNvPr id="3" name="Subtitle 2"/>
@@ -4405,7 +4441,7 @@
         </p:nvSpPr>
         <p:spPr>
           <a:xfrm>
-            <a:off x="-1548680" y="627508"/>
+            <a:off x="565221" y="404664"/>
             <a:ext cx="7488832" cy="713260"/>
           </a:xfrm>
         </p:spPr>
@@ -4415,7 +4451,7 @@
           </a:bodyPr>
           <a:lstStyle/>
           <a:p>
-            <a:pPr eaLnBrk="1" fontAlgn="auto" hangingPunct="1">
+            <a:pPr algn="l" eaLnBrk="1" fontAlgn="auto" hangingPunct="1">
               <a:spcAft>
                 <a:spcPts val="0"/>
               </a:spcAft>
@@ -4430,7 +4466,13 @@
               <a:t>Ejercicio: </a:t>
             </a:r>
             <a:r>
-              <a:rPr lang="es-MX" dirty="0"/>
+              <a:rPr lang="es-MX" b="1" dirty="0">
+                <a:solidFill>
+                  <a:schemeClr val="bg2">
+                    <a:lumMod val="50000"/>
+                  </a:schemeClr>
+                </a:solidFill>
+              </a:rPr>
               <a:t>Herencia</a:t>
             </a:r>
           </a:p>
@@ -4470,7 +4512,7 @@
         </p:nvSpPr>
         <p:spPr>
           <a:xfrm>
-            <a:off x="539552" y="1412776"/>
+            <a:off x="503548" y="1128103"/>
             <a:ext cx="8136904" cy="4032448"/>
           </a:xfrm>
           <a:prstGeom prst="rect">
@@ -5077,7 +5119,7 @@
         </p:nvSpPr>
         <p:spPr>
           <a:xfrm>
-            <a:off x="-1548680" y="627508"/>
+            <a:off x="611560" y="332656"/>
             <a:ext cx="7488832" cy="713260"/>
           </a:xfrm>
         </p:spPr>
@@ -5087,7 +5129,7 @@
           </a:bodyPr>
           <a:lstStyle/>
           <a:p>
-            <a:pPr eaLnBrk="1" fontAlgn="auto" hangingPunct="1">
+            <a:pPr algn="l" eaLnBrk="1" fontAlgn="auto" hangingPunct="1">
               <a:spcAft>
                 <a:spcPts val="0"/>
               </a:spcAft>
@@ -5102,7 +5144,13 @@
               <a:t>Ejercicio: </a:t>
             </a:r>
             <a:r>
-              <a:rPr lang="es-MX" dirty="0"/>
+              <a:rPr lang="es-MX" b="1" dirty="0">
+                <a:solidFill>
+                  <a:schemeClr val="bg2">
+                    <a:lumMod val="50000"/>
+                  </a:schemeClr>
+                </a:solidFill>
+              </a:rPr>
               <a:t>Herencia</a:t>
             </a:r>
           </a:p>
@@ -5142,7 +5190,7 @@
         </p:nvSpPr>
         <p:spPr>
           <a:xfrm>
-            <a:off x="581608" y="1772816"/>
+            <a:off x="611560" y="1124744"/>
             <a:ext cx="7980783" cy="3312368"/>
           </a:xfrm>
           <a:prstGeom prst="rect">
@@ -5543,15 +5591,15 @@
             <a:r>
               <a:rPr lang="es-ES" altLang="es-MX" sz="1600" b="1" dirty="0" err="1">
                 <a:solidFill>
-                  <a:srgbClr val="3333CC"/>
+                  <a:srgbClr val="0000FF"/>
                 </a:solidFill>
               </a:rPr>
               <a:t>esta_volando</a:t>
             </a:r>
             <a:r>
-              <a:rPr lang="es-ES" altLang="es-MX" sz="1600" dirty="0">
-                <a:solidFill>
-                  <a:srgbClr val="3333CC"/>
+              <a:rPr lang="es-ES" altLang="es-MX" sz="1600" b="1" dirty="0">
+                <a:solidFill>
+                  <a:srgbClr val="0000FF"/>
                 </a:solidFill>
               </a:rPr>
               <a:t> </a:t>
@@ -5627,15 +5675,15 @@
             <a:r>
               <a:rPr lang="es-ES" altLang="es-MX" sz="1600" b="1" dirty="0" err="1">
                 <a:solidFill>
-                  <a:srgbClr val="3333CC"/>
+                  <a:srgbClr val="0000FF"/>
                 </a:solidFill>
               </a:rPr>
               <a:t>esta_volando</a:t>
             </a:r>
             <a:r>
-              <a:rPr lang="es-ES" altLang="es-MX" sz="1600" dirty="0">
-                <a:solidFill>
-                  <a:srgbClr val="3333CC"/>
+              <a:rPr lang="es-ES" altLang="es-MX" sz="1600" b="1" dirty="0">
+                <a:solidFill>
+                  <a:srgbClr val="0000FF"/>
                 </a:solidFill>
               </a:rPr>
               <a:t> </a:t>
@@ -5693,7 +5741,7 @@
             <a:r>
               <a:rPr lang="es-ES" altLang="es-MX" sz="1600" b="1" dirty="0">
                 <a:solidFill>
-                  <a:srgbClr val="3333CC"/>
+                  <a:srgbClr val="0000FF"/>
                 </a:solidFill>
               </a:rPr>
               <a:t>mostrar</a:t>
@@ -5741,6 +5789,36 @@
           </a:p>
         </p:txBody>
       </p:sp>
+      <p:pic>
+        <p:nvPicPr>
+          <p:cNvPr id="5" name="Imagen 4">
+            <a:extLst>
+              <a:ext uri="{FF2B5EF4-FFF2-40B4-BE49-F238E27FC236}">
+                <a16:creationId xmlns:a16="http://schemas.microsoft.com/office/drawing/2014/main" id="{D7920A40-0AB6-1768-471E-8875C4D88AD6}"/>
+              </a:ext>
+            </a:extLst>
+          </p:cNvPr>
+          <p:cNvPicPr>
+            <a:picLocks noChangeAspect="1"/>
+          </p:cNvPicPr>
+          <p:nvPr/>
+        </p:nvPicPr>
+        <p:blipFill>
+          <a:blip r:embed="rId2"/>
+          <a:stretch>
+            <a:fillRect/>
+          </a:stretch>
+        </p:blipFill>
+        <p:spPr>
+          <a:xfrm>
+            <a:off x="4716016" y="4221088"/>
+            <a:ext cx="3672408" cy="1765967"/>
+          </a:xfrm>
+          <a:prstGeom prst="rect">
+            <a:avLst/>
+          </a:prstGeom>
+        </p:spPr>
+      </p:pic>
     </p:spTree>
     <p:extLst>
       <p:ext uri="{BB962C8B-B14F-4D97-AF65-F5344CB8AC3E}">
@@ -5902,7 +5980,7 @@
         </p:blipFill>
         <p:spPr>
           <a:xfrm>
-            <a:off x="5148064" y="3006944"/>
+            <a:off x="5148064" y="2780928"/>
             <a:ext cx="3401334" cy="2264917"/>
           </a:xfrm>
           <a:prstGeom prst="rect">
@@ -6004,6 +6082,36 @@
           </a:p>
         </p:txBody>
       </p:sp>
+      <p:pic>
+        <p:nvPicPr>
+          <p:cNvPr id="2" name="Imagen 1">
+            <a:extLst>
+              <a:ext uri="{FF2B5EF4-FFF2-40B4-BE49-F238E27FC236}">
+                <a16:creationId xmlns:a16="http://schemas.microsoft.com/office/drawing/2014/main" id="{B96D7C69-069F-1B83-E75C-269ABA6D3636}"/>
+              </a:ext>
+            </a:extLst>
+          </p:cNvPr>
+          <p:cNvPicPr>
+            <a:picLocks noChangeAspect="1"/>
+          </p:cNvPicPr>
+          <p:nvPr/>
+        </p:nvPicPr>
+        <p:blipFill>
+          <a:blip r:embed="rId4"/>
+          <a:stretch>
+            <a:fillRect/>
+          </a:stretch>
+        </p:blipFill>
+        <p:spPr>
+          <a:xfrm>
+            <a:off x="6084168" y="5335139"/>
+            <a:ext cx="2246158" cy="1080120"/>
+          </a:xfrm>
+          <a:prstGeom prst="rect">
+            <a:avLst/>
+          </a:prstGeom>
+        </p:spPr>
+      </p:pic>
     </p:spTree>
     <p:extLst>
       <p:ext uri="{BB962C8B-B14F-4D97-AF65-F5344CB8AC3E}">
@@ -6311,6 +6419,36 @@
           </a:fontRef>
         </p:style>
       </p:cxnSp>
+      <p:pic>
+        <p:nvPicPr>
+          <p:cNvPr id="2" name="Imagen 1">
+            <a:extLst>
+              <a:ext uri="{FF2B5EF4-FFF2-40B4-BE49-F238E27FC236}">
+                <a16:creationId xmlns:a16="http://schemas.microsoft.com/office/drawing/2014/main" id="{28A5C537-3F98-4610-4B82-32757D53155C}"/>
+              </a:ext>
+            </a:extLst>
+          </p:cNvPr>
+          <p:cNvPicPr>
+            <a:picLocks noChangeAspect="1"/>
+          </p:cNvPicPr>
+          <p:nvPr/>
+        </p:nvPicPr>
+        <p:blipFill>
+          <a:blip r:embed="rId4"/>
+          <a:stretch>
+            <a:fillRect/>
+          </a:stretch>
+        </p:blipFill>
+        <p:spPr>
+          <a:xfrm>
+            <a:off x="6084168" y="5335139"/>
+            <a:ext cx="2246158" cy="1080120"/>
+          </a:xfrm>
+          <a:prstGeom prst="rect">
+            <a:avLst/>
+          </a:prstGeom>
+        </p:spPr>
+      </p:pic>
     </p:spTree>
     <p:extLst>
       <p:ext uri="{BB962C8B-B14F-4D97-AF65-F5344CB8AC3E}">
@@ -6644,6 +6782,36 @@
           </a:p>
         </p:txBody>
       </p:sp>
+      <p:pic>
+        <p:nvPicPr>
+          <p:cNvPr id="2" name="Imagen 1">
+            <a:extLst>
+              <a:ext uri="{FF2B5EF4-FFF2-40B4-BE49-F238E27FC236}">
+                <a16:creationId xmlns:a16="http://schemas.microsoft.com/office/drawing/2014/main" id="{10533DD6-9F72-4DE1-29E9-9BBA33DB8342}"/>
+              </a:ext>
+            </a:extLst>
+          </p:cNvPr>
+          <p:cNvPicPr>
+            <a:picLocks noChangeAspect="1"/>
+          </p:cNvPicPr>
+          <p:nvPr/>
+        </p:nvPicPr>
+        <p:blipFill>
+          <a:blip r:embed="rId4"/>
+          <a:stretch>
+            <a:fillRect/>
+          </a:stretch>
+        </p:blipFill>
+        <p:spPr>
+          <a:xfrm>
+            <a:off x="6084168" y="5230239"/>
+            <a:ext cx="2246158" cy="1080120"/>
+          </a:xfrm>
+          <a:prstGeom prst="rect">
+            <a:avLst/>
+          </a:prstGeom>
+        </p:spPr>
+      </p:pic>
     </p:spTree>
     <p:extLst>
       <p:ext uri="{BB962C8B-B14F-4D97-AF65-F5344CB8AC3E}">
@@ -7256,6 +7424,36 @@
           </a:p>
         </p:txBody>
       </p:sp>
+      <p:pic>
+        <p:nvPicPr>
+          <p:cNvPr id="6" name="Imagen 5">
+            <a:extLst>
+              <a:ext uri="{FF2B5EF4-FFF2-40B4-BE49-F238E27FC236}">
+                <a16:creationId xmlns:a16="http://schemas.microsoft.com/office/drawing/2014/main" id="{7188CE41-CAFF-DAAF-50B0-EED86E214338}"/>
+              </a:ext>
+            </a:extLst>
+          </p:cNvPr>
+          <p:cNvPicPr>
+            <a:picLocks noChangeAspect="1"/>
+          </p:cNvPicPr>
+          <p:nvPr/>
+        </p:nvPicPr>
+        <p:blipFill>
+          <a:blip r:embed="rId4"/>
+          <a:stretch>
+            <a:fillRect/>
+          </a:stretch>
+        </p:blipFill>
+        <p:spPr>
+          <a:xfrm>
+            <a:off x="6853633" y="5531289"/>
+            <a:ext cx="1800200" cy="865670"/>
+          </a:xfrm>
+          <a:prstGeom prst="rect">
+            <a:avLst/>
+          </a:prstGeom>
+        </p:spPr>
+      </p:pic>
     </p:spTree>
     <p:extLst>
       <p:ext uri="{BB962C8B-B14F-4D97-AF65-F5344CB8AC3E}">
@@ -7590,6 +7788,36 @@
           </a:prstGeom>
         </p:spPr>
       </p:pic>
+      <p:pic>
+        <p:nvPicPr>
+          <p:cNvPr id="2" name="Imagen 1">
+            <a:extLst>
+              <a:ext uri="{FF2B5EF4-FFF2-40B4-BE49-F238E27FC236}">
+                <a16:creationId xmlns:a16="http://schemas.microsoft.com/office/drawing/2014/main" id="{D2982EC3-6625-A9FF-56E2-36AEB0D27163}"/>
+              </a:ext>
+            </a:extLst>
+          </p:cNvPr>
+          <p:cNvPicPr>
+            <a:picLocks noChangeAspect="1"/>
+          </p:cNvPicPr>
+          <p:nvPr/>
+        </p:nvPicPr>
+        <p:blipFill>
+          <a:blip r:embed="rId5"/>
+          <a:stretch>
+            <a:fillRect/>
+          </a:stretch>
+        </p:blipFill>
+        <p:spPr>
+          <a:xfrm>
+            <a:off x="875722" y="4940076"/>
+            <a:ext cx="2246158" cy="1080120"/>
+          </a:xfrm>
+          <a:prstGeom prst="rect">
+            <a:avLst/>
+          </a:prstGeom>
+        </p:spPr>
+      </p:pic>
     </p:spTree>
     <p:extLst>
       <p:ext uri="{BB962C8B-B14F-4D97-AF65-F5344CB8AC3E}">
@@ -9833,6 +10061,36 @@
           <a:xfrm>
             <a:off x="1264922" y="1268760"/>
             <a:ext cx="6865748" cy="4968552"/>
+          </a:xfrm>
+          <a:prstGeom prst="rect">
+            <a:avLst/>
+          </a:prstGeom>
+        </p:spPr>
+      </p:pic>
+      <p:pic>
+        <p:nvPicPr>
+          <p:cNvPr id="3" name="Imagen 2">
+            <a:extLst>
+              <a:ext uri="{FF2B5EF4-FFF2-40B4-BE49-F238E27FC236}">
+                <a16:creationId xmlns:a16="http://schemas.microsoft.com/office/drawing/2014/main" id="{D02B82A6-B002-7E4E-98F7-F28C475022CD}"/>
+              </a:ext>
+            </a:extLst>
+          </p:cNvPr>
+          <p:cNvPicPr>
+            <a:picLocks noChangeAspect="1"/>
+          </p:cNvPicPr>
+          <p:nvPr/>
+        </p:nvPicPr>
+        <p:blipFill>
+          <a:blip r:embed="rId3"/>
+          <a:stretch>
+            <a:fillRect/>
+          </a:stretch>
+        </p:blipFill>
+        <p:spPr>
+          <a:xfrm>
+            <a:off x="7236296" y="692696"/>
+            <a:ext cx="1198871" cy="1862708"/>
           </a:xfrm>
           <a:prstGeom prst="rect">
             <a:avLst/>
@@ -9917,36 +10175,6 @@
           </a:p>
         </p:txBody>
       </p:sp>
-      <p:pic>
-        <p:nvPicPr>
-          <p:cNvPr id="3" name="Imagen 2">
-            <a:extLst>
-              <a:ext uri="{FF2B5EF4-FFF2-40B4-BE49-F238E27FC236}">
-                <a16:creationId xmlns:a16="http://schemas.microsoft.com/office/drawing/2014/main" id="{AAA47E18-DF88-4249-86B2-194DE111D2C1}"/>
-              </a:ext>
-            </a:extLst>
-          </p:cNvPr>
-          <p:cNvPicPr>
-            <a:picLocks noChangeAspect="1"/>
-          </p:cNvPicPr>
-          <p:nvPr/>
-        </p:nvPicPr>
-        <p:blipFill>
-          <a:blip r:embed="rId2"/>
-          <a:stretch>
-            <a:fillRect/>
-          </a:stretch>
-        </p:blipFill>
-        <p:spPr>
-          <a:xfrm>
-            <a:off x="827584" y="1114184"/>
-            <a:ext cx="5165769" cy="5263128"/>
-          </a:xfrm>
-          <a:prstGeom prst="rect">
-            <a:avLst/>
-          </a:prstGeom>
-        </p:spPr>
-      </p:pic>
       <p:sp>
         <p:nvSpPr>
           <p:cNvPr id="7" name="Rectangle 3">
@@ -10214,7 +10442,7 @@
         <p:spPr>
           <a:xfrm>
             <a:off x="6084169" y="3025802"/>
-            <a:ext cx="2736304" cy="1643099"/>
+            <a:ext cx="2664295" cy="1643099"/>
           </a:xfrm>
           <a:prstGeom prst="rect">
             <a:avLst/>
@@ -10445,6 +10673,199 @@
           </a:p>
         </p:txBody>
       </p:sp>
+      <p:grpSp>
+        <p:nvGrpSpPr>
+          <p:cNvPr id="13" name="Grupo 12">
+            <a:extLst>
+              <a:ext uri="{FF2B5EF4-FFF2-40B4-BE49-F238E27FC236}">
+                <a16:creationId xmlns:a16="http://schemas.microsoft.com/office/drawing/2014/main" id="{8D03F0DE-E58D-ECE9-604F-484058EB2119}"/>
+              </a:ext>
+            </a:extLst>
+          </p:cNvPr>
+          <p:cNvGrpSpPr/>
+          <p:nvPr/>
+        </p:nvGrpSpPr>
+        <p:grpSpPr>
+          <a:xfrm>
+            <a:off x="824497" y="1114184"/>
+            <a:ext cx="5832648" cy="5409958"/>
+            <a:chOff x="824497" y="1114184"/>
+            <a:chExt cx="5832648" cy="5409958"/>
+          </a:xfrm>
+        </p:grpSpPr>
+        <p:pic>
+          <p:nvPicPr>
+            <p:cNvPr id="3" name="Imagen 2">
+              <a:extLst>
+                <a:ext uri="{FF2B5EF4-FFF2-40B4-BE49-F238E27FC236}">
+                  <a16:creationId xmlns:a16="http://schemas.microsoft.com/office/drawing/2014/main" id="{AAA47E18-DF88-4249-86B2-194DE111D2C1}"/>
+                </a:ext>
+              </a:extLst>
+            </p:cNvPr>
+            <p:cNvPicPr>
+              <a:picLocks noChangeAspect="1"/>
+            </p:cNvPicPr>
+            <p:nvPr/>
+          </p:nvPicPr>
+          <p:blipFill>
+            <a:blip r:embed="rId2"/>
+            <a:stretch>
+              <a:fillRect/>
+            </a:stretch>
+          </p:blipFill>
+          <p:spPr>
+            <a:xfrm>
+              <a:off x="827584" y="1114184"/>
+              <a:ext cx="5165769" cy="5263128"/>
+            </a:xfrm>
+            <a:prstGeom prst="rect">
+              <a:avLst/>
+            </a:prstGeom>
+          </p:spPr>
+        </p:pic>
+        <p:pic>
+          <p:nvPicPr>
+            <p:cNvPr id="8" name="Imagen 7">
+              <a:extLst>
+                <a:ext uri="{FF2B5EF4-FFF2-40B4-BE49-F238E27FC236}">
+                  <a16:creationId xmlns:a16="http://schemas.microsoft.com/office/drawing/2014/main" id="{D7224FBA-3CD1-A381-A657-9A32D5897330}"/>
+                </a:ext>
+              </a:extLst>
+            </p:cNvPr>
+            <p:cNvPicPr>
+              <a:picLocks noChangeAspect="1"/>
+            </p:cNvPicPr>
+            <p:nvPr/>
+          </p:nvPicPr>
+          <p:blipFill>
+            <a:blip r:embed="rId3"/>
+            <a:stretch>
+              <a:fillRect/>
+            </a:stretch>
+          </p:blipFill>
+          <p:spPr>
+            <a:xfrm>
+              <a:off x="1106212" y="4437112"/>
+              <a:ext cx="4608512" cy="838890"/>
+            </a:xfrm>
+            <a:prstGeom prst="rect">
+              <a:avLst/>
+            </a:prstGeom>
+          </p:spPr>
+        </p:pic>
+        <p:pic>
+          <p:nvPicPr>
+            <p:cNvPr id="11" name="Imagen 10">
+              <a:extLst>
+                <a:ext uri="{FF2B5EF4-FFF2-40B4-BE49-F238E27FC236}">
+                  <a16:creationId xmlns:a16="http://schemas.microsoft.com/office/drawing/2014/main" id="{072F511B-64C3-0FD6-97F1-EC138D9D4F5B}"/>
+                </a:ext>
+              </a:extLst>
+            </p:cNvPr>
+            <p:cNvPicPr>
+              <a:picLocks noChangeAspect="1"/>
+            </p:cNvPicPr>
+            <p:nvPr/>
+          </p:nvPicPr>
+          <p:blipFill>
+            <a:blip r:embed="rId4"/>
+            <a:stretch>
+              <a:fillRect/>
+            </a:stretch>
+          </p:blipFill>
+          <p:spPr>
+            <a:xfrm>
+              <a:off x="824497" y="5538625"/>
+              <a:ext cx="5619711" cy="496017"/>
+            </a:xfrm>
+            <a:prstGeom prst="rect">
+              <a:avLst/>
+            </a:prstGeom>
+          </p:spPr>
+        </p:pic>
+        <p:sp>
+          <p:nvSpPr>
+            <p:cNvPr id="12" name="Rectángulo 11">
+              <a:extLst>
+                <a:ext uri="{FF2B5EF4-FFF2-40B4-BE49-F238E27FC236}">
+                  <a16:creationId xmlns:a16="http://schemas.microsoft.com/office/drawing/2014/main" id="{24AFD234-EEC4-D903-9076-6B934AD7792D}"/>
+                </a:ext>
+              </a:extLst>
+            </p:cNvPr>
+            <p:cNvSpPr/>
+            <p:nvPr/>
+          </p:nvSpPr>
+          <p:spPr>
+            <a:xfrm>
+              <a:off x="824497" y="5948078"/>
+              <a:ext cx="5832648" cy="576064"/>
+            </a:xfrm>
+            <a:prstGeom prst="rect">
+              <a:avLst/>
+            </a:prstGeom>
+            <a:solidFill>
+              <a:schemeClr val="bg1"/>
+            </a:solidFill>
+            <a:ln>
+              <a:noFill/>
+            </a:ln>
+          </p:spPr>
+          <p:style>
+            <a:lnRef idx="2">
+              <a:schemeClr val="accent1">
+                <a:shade val="50000"/>
+              </a:schemeClr>
+            </a:lnRef>
+            <a:fillRef idx="1">
+              <a:schemeClr val="accent1"/>
+            </a:fillRef>
+            <a:effectRef idx="0">
+              <a:schemeClr val="accent1"/>
+            </a:effectRef>
+            <a:fontRef idx="minor">
+              <a:schemeClr val="lt1"/>
+            </a:fontRef>
+          </p:style>
+          <p:txBody>
+            <a:bodyPr rtlCol="0" anchor="ctr"/>
+            <a:lstStyle/>
+            <a:p>
+              <a:pPr algn="ctr"/>
+              <a:endParaRPr lang="es-MX"/>
+            </a:p>
+          </p:txBody>
+        </p:sp>
+      </p:grpSp>
+      <p:pic>
+        <p:nvPicPr>
+          <p:cNvPr id="17" name="Imagen 16">
+            <a:extLst>
+              <a:ext uri="{FF2B5EF4-FFF2-40B4-BE49-F238E27FC236}">
+                <a16:creationId xmlns:a16="http://schemas.microsoft.com/office/drawing/2014/main" id="{0349E4B8-A182-EAB8-FDE0-94CF21F7A764}"/>
+              </a:ext>
+            </a:extLst>
+          </p:cNvPr>
+          <p:cNvPicPr>
+            <a:picLocks noChangeAspect="1"/>
+          </p:cNvPicPr>
+          <p:nvPr/>
+        </p:nvPicPr>
+        <p:blipFill>
+          <a:blip r:embed="rId5"/>
+          <a:stretch>
+            <a:fillRect/>
+          </a:stretch>
+        </p:blipFill>
+        <p:spPr>
+          <a:xfrm>
+            <a:off x="6845265" y="4221572"/>
+            <a:ext cx="1304925" cy="2014538"/>
+          </a:xfrm>
+          <a:prstGeom prst="rect">
+            <a:avLst/>
+          </a:prstGeom>
+        </p:spPr>
+      </p:pic>
     </p:spTree>
     <p:extLst>
       <p:ext uri="{BB962C8B-B14F-4D97-AF65-F5344CB8AC3E}">
@@ -11022,7 +11443,7 @@
         </p:nvSpPr>
         <p:spPr>
           <a:xfrm>
-            <a:off x="925513" y="0"/>
+            <a:off x="750459" y="19269"/>
             <a:ext cx="7174879" cy="1143001"/>
           </a:xfrm>
         </p:spPr>
@@ -11068,7 +11489,7 @@
         </p:nvSpPr>
         <p:spPr>
           <a:xfrm>
-            <a:off x="5508106" y="1646041"/>
+            <a:off x="5508106" y="2060848"/>
             <a:ext cx="3024335" cy="3565918"/>
           </a:xfrm>
           <a:prstGeom prst="rect">
@@ -11401,8 +11822,38 @@
         </p:blipFill>
         <p:spPr>
           <a:xfrm>
-            <a:off x="611559" y="1484784"/>
+            <a:off x="750459" y="1575555"/>
             <a:ext cx="4757647" cy="4392488"/>
+          </a:xfrm>
+          <a:prstGeom prst="rect">
+            <a:avLst/>
+          </a:prstGeom>
+        </p:spPr>
+      </p:pic>
+      <p:pic>
+        <p:nvPicPr>
+          <p:cNvPr id="4" name="Imagen 3">
+            <a:extLst>
+              <a:ext uri="{FF2B5EF4-FFF2-40B4-BE49-F238E27FC236}">
+                <a16:creationId xmlns:a16="http://schemas.microsoft.com/office/drawing/2014/main" id="{A473BDBD-32AE-FFCB-07EA-5CC591BF024A}"/>
+              </a:ext>
+            </a:extLst>
+          </p:cNvPr>
+          <p:cNvPicPr>
+            <a:picLocks noChangeAspect="1"/>
+          </p:cNvPicPr>
+          <p:nvPr/>
+        </p:nvPicPr>
+        <p:blipFill>
+          <a:blip r:embed="rId3"/>
+          <a:stretch>
+            <a:fillRect/>
+          </a:stretch>
+        </p:blipFill>
+        <p:spPr>
+          <a:xfrm>
+            <a:off x="7308304" y="406186"/>
+            <a:ext cx="979513" cy="1512168"/>
           </a:xfrm>
           <a:prstGeom prst="rect">
             <a:avLst/>
@@ -11503,7 +11954,7 @@
         </p:nvSpPr>
         <p:spPr>
           <a:xfrm>
-            <a:off x="6300192" y="3849300"/>
+            <a:off x="6162410" y="1772816"/>
             <a:ext cx="2304256" cy="1143001"/>
           </a:xfrm>
           <a:prstGeom prst="rect">
@@ -11746,6 +12197,36 @@
           <a:xfrm>
             <a:off x="539552" y="1412776"/>
             <a:ext cx="5616160" cy="4810844"/>
+          </a:xfrm>
+          <a:prstGeom prst="rect">
+            <a:avLst/>
+          </a:prstGeom>
+        </p:spPr>
+      </p:pic>
+      <p:pic>
+        <p:nvPicPr>
+          <p:cNvPr id="3" name="Imagen 2">
+            <a:extLst>
+              <a:ext uri="{FF2B5EF4-FFF2-40B4-BE49-F238E27FC236}">
+                <a16:creationId xmlns:a16="http://schemas.microsoft.com/office/drawing/2014/main" id="{F2C0BBE9-95B1-F5D9-6466-A968EC12B65C}"/>
+              </a:ext>
+            </a:extLst>
+          </p:cNvPr>
+          <p:cNvPicPr>
+            <a:picLocks noChangeAspect="1"/>
+          </p:cNvPicPr>
+          <p:nvPr/>
+        </p:nvPicPr>
+        <p:blipFill>
+          <a:blip r:embed="rId3"/>
+          <a:stretch>
+            <a:fillRect/>
+          </a:stretch>
+        </p:blipFill>
+        <p:spPr>
+          <a:xfrm>
+            <a:off x="6684851" y="2907542"/>
+            <a:ext cx="1259374" cy="1944216"/>
           </a:xfrm>
           <a:prstGeom prst="rect">
             <a:avLst/>
@@ -11847,7 +12328,7 @@
         <p:spPr>
           <a:xfrm>
             <a:off x="5724127" y="1387485"/>
-            <a:ext cx="2880321" cy="1643099"/>
+            <a:ext cx="2880321" cy="1465451"/>
           </a:xfrm>
           <a:prstGeom prst="rect">
             <a:avLst/>
@@ -12089,7 +12570,7 @@
         </p:nvSpPr>
         <p:spPr>
           <a:xfrm>
-            <a:off x="5749771" y="3030584"/>
+            <a:off x="5724127" y="2827719"/>
             <a:ext cx="2998693" cy="2558656"/>
           </a:xfrm>
           <a:prstGeom prst="rect">
@@ -12365,6 +12846,36 @@
           <a:xfrm>
             <a:off x="514512" y="1143001"/>
             <a:ext cx="4968552" cy="5218971"/>
+          </a:xfrm>
+          <a:prstGeom prst="rect">
+            <a:avLst/>
+          </a:prstGeom>
+        </p:spPr>
+      </p:pic>
+      <p:pic>
+        <p:nvPicPr>
+          <p:cNvPr id="3" name="Imagen 2">
+            <a:extLst>
+              <a:ext uri="{FF2B5EF4-FFF2-40B4-BE49-F238E27FC236}">
+                <a16:creationId xmlns:a16="http://schemas.microsoft.com/office/drawing/2014/main" id="{50581FDD-E563-28A9-334D-031BFEF8C56C}"/>
+              </a:ext>
+            </a:extLst>
+          </p:cNvPr>
+          <p:cNvPicPr>
+            <a:picLocks noChangeAspect="1"/>
+          </p:cNvPicPr>
+          <p:nvPr/>
+        </p:nvPicPr>
+        <p:blipFill>
+          <a:blip r:embed="rId3"/>
+          <a:stretch>
+            <a:fillRect/>
+          </a:stretch>
+        </p:blipFill>
+        <p:spPr>
+          <a:xfrm>
+            <a:off x="7452320" y="5085184"/>
+            <a:ext cx="1177168" cy="1382249"/>
           </a:xfrm>
           <a:prstGeom prst="rect">
             <a:avLst/>

--- a/Calendario2023/presentaciones/16_POO_Herencia.pptx
+++ b/Calendario2023/presentaciones/16_POO_Herencia.pptx
@@ -225,7 +225,7 @@
           <a:p>
             <a:fld id="{DDE721D5-655F-45D2-B717-3C4CD78C8568}" type="datetimeFigureOut">
               <a:rPr lang="es-MX" smtClean="0"/>
-              <a:t>06/03/2023</a:t>
+              <a:t>07/03/2023</a:t>
             </a:fld>
             <a:endParaRPr lang="es-MX" dirty="0"/>
           </a:p>
@@ -674,7 +674,7 @@
           <a:p>
             <a:fld id="{B3F3E716-CACC-4490-AD07-F24B6A68DE47}" type="datetimeFigureOut">
               <a:rPr lang="es-MX" smtClean="0"/>
-              <a:t>06/03/2023</a:t>
+              <a:t>07/03/2023</a:t>
             </a:fld>
             <a:endParaRPr lang="es-MX" dirty="0"/>
           </a:p>
@@ -844,7 +844,7 @@
           <a:p>
             <a:fld id="{B3F3E716-CACC-4490-AD07-F24B6A68DE47}" type="datetimeFigureOut">
               <a:rPr lang="es-MX" smtClean="0"/>
-              <a:t>06/03/2023</a:t>
+              <a:t>07/03/2023</a:t>
             </a:fld>
             <a:endParaRPr lang="es-MX" dirty="0"/>
           </a:p>
@@ -1024,7 +1024,7 @@
           <a:p>
             <a:fld id="{B3F3E716-CACC-4490-AD07-F24B6A68DE47}" type="datetimeFigureOut">
               <a:rPr lang="es-MX" smtClean="0"/>
-              <a:t>06/03/2023</a:t>
+              <a:t>07/03/2023</a:t>
             </a:fld>
             <a:endParaRPr lang="es-MX" dirty="0"/>
           </a:p>
@@ -1177,7 +1177,7 @@
           <a:p>
             <a:fld id="{1D8BD707-D9CF-40AE-B4C6-C98DA3205C09}" type="datetimeFigureOut">
               <a:rPr lang="en-US" smtClean="0"/>
-              <a:t>3/6/2023</a:t>
+              <a:t>3/7/2023</a:t>
             </a:fld>
             <a:endParaRPr lang="en-US" dirty="0"/>
           </a:p>
@@ -1634,7 +1634,7 @@
           <a:p>
             <a:fld id="{B3F3E716-CACC-4490-AD07-F24B6A68DE47}" type="datetimeFigureOut">
               <a:rPr lang="es-MX" smtClean="0"/>
-              <a:t>06/03/2023</a:t>
+              <a:t>07/03/2023</a:t>
             </a:fld>
             <a:endParaRPr lang="es-MX" dirty="0"/>
           </a:p>
@@ -1880,7 +1880,7 @@
           <a:p>
             <a:fld id="{B3F3E716-CACC-4490-AD07-F24B6A68DE47}" type="datetimeFigureOut">
               <a:rPr lang="es-MX" smtClean="0"/>
-              <a:t>06/03/2023</a:t>
+              <a:t>07/03/2023</a:t>
             </a:fld>
             <a:endParaRPr lang="es-MX" dirty="0"/>
           </a:p>
@@ -2168,7 +2168,7 @@
           <a:p>
             <a:fld id="{B3F3E716-CACC-4490-AD07-F24B6A68DE47}" type="datetimeFigureOut">
               <a:rPr lang="es-MX" smtClean="0"/>
-              <a:t>06/03/2023</a:t>
+              <a:t>07/03/2023</a:t>
             </a:fld>
             <a:endParaRPr lang="es-MX" dirty="0"/>
           </a:p>
@@ -2590,7 +2590,7 @@
           <a:p>
             <a:fld id="{B3F3E716-CACC-4490-AD07-F24B6A68DE47}" type="datetimeFigureOut">
               <a:rPr lang="es-MX" smtClean="0"/>
-              <a:t>06/03/2023</a:t>
+              <a:t>07/03/2023</a:t>
             </a:fld>
             <a:endParaRPr lang="es-MX" dirty="0"/>
           </a:p>
@@ -2708,7 +2708,7 @@
           <a:p>
             <a:fld id="{B3F3E716-CACC-4490-AD07-F24B6A68DE47}" type="datetimeFigureOut">
               <a:rPr lang="es-MX" smtClean="0"/>
-              <a:t>06/03/2023</a:t>
+              <a:t>07/03/2023</a:t>
             </a:fld>
             <a:endParaRPr lang="es-MX" dirty="0"/>
           </a:p>
@@ -2803,7 +2803,7 @@
           <a:p>
             <a:fld id="{B3F3E716-CACC-4490-AD07-F24B6A68DE47}" type="datetimeFigureOut">
               <a:rPr lang="es-MX" smtClean="0"/>
-              <a:t>06/03/2023</a:t>
+              <a:t>07/03/2023</a:t>
             </a:fld>
             <a:endParaRPr lang="es-MX" dirty="0"/>
           </a:p>
@@ -3080,7 +3080,7 @@
           <a:p>
             <a:fld id="{B3F3E716-CACC-4490-AD07-F24B6A68DE47}" type="datetimeFigureOut">
               <a:rPr lang="es-MX" smtClean="0"/>
-              <a:t>06/03/2023</a:t>
+              <a:t>07/03/2023</a:t>
             </a:fld>
             <a:endParaRPr lang="es-MX" dirty="0"/>
           </a:p>
@@ -3333,7 +3333,7 @@
           <a:p>
             <a:fld id="{B3F3E716-CACC-4490-AD07-F24B6A68DE47}" type="datetimeFigureOut">
               <a:rPr lang="es-MX" smtClean="0"/>
-              <a:t>06/03/2023</a:t>
+              <a:t>07/03/2023</a:t>
             </a:fld>
             <a:endParaRPr lang="es-MX" dirty="0"/>
           </a:p>
@@ -3546,7 +3546,7 @@
           <a:p>
             <a:fld id="{B3F3E716-CACC-4490-AD07-F24B6A68DE47}" type="datetimeFigureOut">
               <a:rPr lang="es-MX" smtClean="0"/>
-              <a:t>06/03/2023</a:t>
+              <a:t>07/03/2023</a:t>
             </a:fld>
             <a:endParaRPr lang="es-MX" dirty="0"/>
           </a:p>
@@ -4764,7 +4764,29 @@
                 </a:solidFill>
                 <a:latin typeface="Dom Casual" charset="0"/>
               </a:rPr>
-              <a:t>Define en el constructor los atributos de instancia </a:t>
+              <a:t>Define en el </a:t>
+            </a:r>
+            <a:r>
+              <a:rPr lang="es-ES" altLang="es-MX" sz="1600" b="1" dirty="0">
+                <a:solidFill>
+                  <a:schemeClr val="bg2">
+                    <a:lumMod val="10000"/>
+                  </a:schemeClr>
+                </a:solidFill>
+                <a:latin typeface="Dom Casual" charset="0"/>
+              </a:rPr>
+              <a:t>constructor</a:t>
+            </a:r>
+            <a:r>
+              <a:rPr lang="es-ES" altLang="es-MX" sz="1600" dirty="0">
+                <a:solidFill>
+                  <a:schemeClr val="bg2">
+                    <a:lumMod val="10000"/>
+                  </a:schemeClr>
+                </a:solidFill>
+                <a:latin typeface="Dom Casual" charset="0"/>
+              </a:rPr>
+              <a:t> los atributos de instancia </a:t>
             </a:r>
             <a:r>
               <a:rPr lang="es-ES" altLang="es-MX" sz="1600" b="1" dirty="0">
@@ -4900,11 +4922,8 @@
             <a:r>
               <a:rPr lang="es-ES" altLang="es-MX" sz="1600" b="1" dirty="0">
                 <a:solidFill>
-                  <a:schemeClr val="bg2">
-                    <a:lumMod val="10000"/>
-                  </a:schemeClr>
-                </a:solidFill>
-                <a:latin typeface="Dom Casual" charset="0"/>
+                  <a:srgbClr val="0000FF"/>
+                </a:solidFill>
               </a:rPr>
               <a:t>acelera</a:t>
             </a:r>
@@ -4943,24 +4962,21 @@
             <a:r>
               <a:rPr lang="es-ES" altLang="es-MX" sz="1600" b="1" dirty="0">
                 <a:solidFill>
+                  <a:srgbClr val="0000FF"/>
+                </a:solidFill>
+              </a:rPr>
+              <a:t>frena </a:t>
+            </a:r>
+            <a:r>
+              <a:rPr lang="es-ES" altLang="es-MX" sz="1600" dirty="0">
+                <a:solidFill>
                   <a:schemeClr val="bg2">
                     <a:lumMod val="10000"/>
                   </a:schemeClr>
                 </a:solidFill>
                 <a:latin typeface="Dom Casual" charset="0"/>
               </a:rPr>
-              <a:t>frena</a:t>
-            </a:r>
-            <a:r>
-              <a:rPr lang="es-ES" altLang="es-MX" sz="1600" dirty="0">
-                <a:solidFill>
-                  <a:schemeClr val="bg2">
-                    <a:lumMod val="10000"/>
-                  </a:schemeClr>
-                </a:solidFill>
-                <a:latin typeface="Dom Casual" charset="0"/>
-              </a:rPr>
-              <a:t> que modifique la velocidad (velocidad - aceleración). Si la velocidad es menor a 0, regresar la velocidad 0.</a:t>
+              <a:t>que modifique la velocidad (velocidad - aceleración). Si la velocidad es menor a 0, regresar la velocidad 0.</a:t>
             </a:r>
           </a:p>
           <a:p>
@@ -4986,11 +5002,8 @@
             <a:r>
               <a:rPr lang="es-ES" altLang="es-MX" sz="1600" b="1" dirty="0">
                 <a:solidFill>
-                  <a:schemeClr val="bg2">
-                    <a:lumMod val="10000"/>
-                  </a:schemeClr>
-                </a:solidFill>
-                <a:latin typeface="Dom Casual" charset="0"/>
+                  <a:srgbClr val="0000FF"/>
+                </a:solidFill>
               </a:rPr>
               <a:t>mostrar</a:t>
             </a:r>
@@ -5448,7 +5461,7 @@
                 </a:solidFill>
                 <a:latin typeface="Dom Casual" charset="0"/>
               </a:rPr>
-              <a:t> con el valor de 4.</a:t>
+              <a:t> con el valor de 6.</a:t>
             </a:r>
           </a:p>
           <a:p>
@@ -5706,7 +5719,7 @@
                   </a:schemeClr>
                 </a:solidFill>
               </a:rPr>
-              <a:t>True</a:t>
+              <a:t>False</a:t>
             </a:r>
             <a:r>
               <a:rPr lang="es-ES" altLang="es-MX" sz="1600" dirty="0">
@@ -5960,10 +5973,10 @@
       </p:sp>
       <p:pic>
         <p:nvPicPr>
-          <p:cNvPr id="10" name="Imagen 9">
+          <p:cNvPr id="11" name="Imagen 10">
             <a:extLst>
               <a:ext uri="{FF2B5EF4-FFF2-40B4-BE49-F238E27FC236}">
-                <a16:creationId xmlns:a16="http://schemas.microsoft.com/office/drawing/2014/main" id="{4CA59377-D364-4FA0-B635-7ADAFEC6D840}"/>
+                <a16:creationId xmlns:a16="http://schemas.microsoft.com/office/drawing/2014/main" id="{47337F4A-B439-410F-8B42-39DE5C61389E}"/>
               </a:ext>
             </a:extLst>
           </p:cNvPr>
@@ -5980,20 +5993,84 @@
         </p:blipFill>
         <p:spPr>
           <a:xfrm>
-            <a:off x="5148064" y="2780928"/>
-            <a:ext cx="3401334" cy="2264917"/>
+            <a:off x="971600" y="2708911"/>
+            <a:ext cx="2952328" cy="2889845"/>
           </a:xfrm>
           <a:prstGeom prst="rect">
             <a:avLst/>
           </a:prstGeom>
         </p:spPr>
       </p:pic>
+      <p:sp>
+        <p:nvSpPr>
+          <p:cNvPr id="13" name="CuadroTexto 12">
+            <a:extLst>
+              <a:ext uri="{FF2B5EF4-FFF2-40B4-BE49-F238E27FC236}">
+                <a16:creationId xmlns:a16="http://schemas.microsoft.com/office/drawing/2014/main" id="{754CCDC3-F0F5-49ED-86AE-500D9CB1CE28}"/>
+              </a:ext>
+            </a:extLst>
+          </p:cNvPr>
+          <p:cNvSpPr txBox="1"/>
+          <p:nvPr/>
+        </p:nvSpPr>
+        <p:spPr>
+          <a:xfrm>
+            <a:off x="467544" y="2204864"/>
+            <a:ext cx="8153862" cy="338554"/>
+          </a:xfrm>
+          <a:prstGeom prst="rect">
+            <a:avLst/>
+          </a:prstGeom>
+          <a:noFill/>
+        </p:spPr>
+        <p:txBody>
+          <a:bodyPr wrap="square">
+            <a:spAutoFit/>
+          </a:bodyPr>
+          <a:lstStyle/>
+          <a:p>
+            <a:r>
+              <a:rPr lang="es-ES" sz="1600" b="1" dirty="0"/>
+              <a:t>Ejemplo:  </a:t>
+            </a:r>
+            <a:r>
+              <a:rPr lang="es-ES" sz="1600" dirty="0"/>
+              <a:t>La clase </a:t>
+            </a:r>
+            <a:r>
+              <a:rPr lang="es-ES" sz="1600" b="1" dirty="0">
+                <a:solidFill>
+                  <a:srgbClr val="0070C0"/>
+                </a:solidFill>
+              </a:rPr>
+              <a:t>CocheVolador</a:t>
+            </a:r>
+            <a:r>
+              <a:rPr lang="es-ES" sz="1600" dirty="0"/>
+              <a:t> hereda de la clase </a:t>
+            </a:r>
+            <a:r>
+              <a:rPr lang="es-ES" sz="1600" b="1" dirty="0">
+                <a:solidFill>
+                  <a:srgbClr val="0070C0"/>
+                </a:solidFill>
+              </a:rPr>
+              <a:t>Coche</a:t>
+            </a:r>
+            <a:r>
+              <a:rPr lang="es-ES" sz="1600" dirty="0"/>
+              <a:t>. </a:t>
+            </a:r>
+            <a:endParaRPr lang="es-MX" sz="1600" dirty="0"/>
+          </a:p>
+        </p:txBody>
+      </p:sp>
       <p:pic>
         <p:nvPicPr>
-          <p:cNvPr id="11" name="Imagen 10">
+          <p:cNvPr id="2" name="Imagen 1">
             <a:extLst>
               <a:ext uri="{FF2B5EF4-FFF2-40B4-BE49-F238E27FC236}">
-                <a16:creationId xmlns:a16="http://schemas.microsoft.com/office/drawing/2014/main" id="{47337F4A-B439-410F-8B42-39DE5C61389E}"/>
+                <a16:creationId xmlns:a16="http://schemas.microsoft.com/office/drawing/2014/main" id="{B96D7C69-069F-1B83-E75C-269ABA6D3636}"/>
               </a:ext>
             </a:extLst>
           </p:cNvPr>
@@ -6010,100 +6087,6 @@
         </p:blipFill>
         <p:spPr>
           <a:xfrm>
-            <a:off x="971600" y="2708911"/>
-            <a:ext cx="2952328" cy="2889845"/>
-          </a:xfrm>
-          <a:prstGeom prst="rect">
-            <a:avLst/>
-          </a:prstGeom>
-        </p:spPr>
-      </p:pic>
-      <p:sp>
-        <p:nvSpPr>
-          <p:cNvPr id="13" name="CuadroTexto 12">
-            <a:extLst>
-              <a:ext uri="{FF2B5EF4-FFF2-40B4-BE49-F238E27FC236}">
-                <a16:creationId xmlns:a16="http://schemas.microsoft.com/office/drawing/2014/main" id="{754CCDC3-F0F5-49ED-86AE-500D9CB1CE28}"/>
-              </a:ext>
-            </a:extLst>
-          </p:cNvPr>
-          <p:cNvSpPr txBox="1"/>
-          <p:nvPr/>
-        </p:nvSpPr>
-        <p:spPr>
-          <a:xfrm>
-            <a:off x="467544" y="2204864"/>
-            <a:ext cx="8153862" cy="338554"/>
-          </a:xfrm>
-          <a:prstGeom prst="rect">
-            <a:avLst/>
-          </a:prstGeom>
-          <a:noFill/>
-        </p:spPr>
-        <p:txBody>
-          <a:bodyPr wrap="square">
-            <a:spAutoFit/>
-          </a:bodyPr>
-          <a:lstStyle/>
-          <a:p>
-            <a:r>
-              <a:rPr lang="es-ES" sz="1600" b="1" dirty="0"/>
-              <a:t>Ejemplo:  </a:t>
-            </a:r>
-            <a:r>
-              <a:rPr lang="es-ES" sz="1600" dirty="0"/>
-              <a:t>La clase </a:t>
-            </a:r>
-            <a:r>
-              <a:rPr lang="es-ES" sz="1600" b="1" dirty="0">
-                <a:solidFill>
-                  <a:srgbClr val="0070C0"/>
-                </a:solidFill>
-              </a:rPr>
-              <a:t>CocheVolador</a:t>
-            </a:r>
-            <a:r>
-              <a:rPr lang="es-ES" sz="1600" dirty="0"/>
-              <a:t> hereda de la clase </a:t>
-            </a:r>
-            <a:r>
-              <a:rPr lang="es-ES" sz="1600" b="1" dirty="0">
-                <a:solidFill>
-                  <a:srgbClr val="0070C0"/>
-                </a:solidFill>
-              </a:rPr>
-              <a:t>Coche</a:t>
-            </a:r>
-            <a:r>
-              <a:rPr lang="es-ES" sz="1600" dirty="0"/>
-              <a:t>. </a:t>
-            </a:r>
-            <a:endParaRPr lang="es-MX" sz="1600" dirty="0"/>
-          </a:p>
-        </p:txBody>
-      </p:sp>
-      <p:pic>
-        <p:nvPicPr>
-          <p:cNvPr id="2" name="Imagen 1">
-            <a:extLst>
-              <a:ext uri="{FF2B5EF4-FFF2-40B4-BE49-F238E27FC236}">
-                <a16:creationId xmlns:a16="http://schemas.microsoft.com/office/drawing/2014/main" id="{B96D7C69-069F-1B83-E75C-269ABA6D3636}"/>
-              </a:ext>
-            </a:extLst>
-          </p:cNvPr>
-          <p:cNvPicPr>
-            <a:picLocks noChangeAspect="1"/>
-          </p:cNvPicPr>
-          <p:nvPr/>
-        </p:nvPicPr>
-        <p:blipFill>
-          <a:blip r:embed="rId4"/>
-          <a:stretch>
-            <a:fillRect/>
-          </a:stretch>
-        </p:blipFill>
-        <p:spPr>
-          <a:xfrm>
             <a:off x="6084168" y="5335139"/>
             <a:ext cx="2246158" cy="1080120"/>
           </a:xfrm>
@@ -6112,6 +6095,144 @@
           </a:prstGeom>
         </p:spPr>
       </p:pic>
+      <p:grpSp>
+        <p:nvGrpSpPr>
+          <p:cNvPr id="6" name="Grupo 5">
+            <a:extLst>
+              <a:ext uri="{FF2B5EF4-FFF2-40B4-BE49-F238E27FC236}">
+                <a16:creationId xmlns:a16="http://schemas.microsoft.com/office/drawing/2014/main" id="{7FE2A9F7-902C-0179-548E-D62C3B791321}"/>
+              </a:ext>
+            </a:extLst>
+          </p:cNvPr>
+          <p:cNvGrpSpPr/>
+          <p:nvPr/>
+        </p:nvGrpSpPr>
+        <p:grpSpPr>
+          <a:xfrm>
+            <a:off x="5148064" y="2824011"/>
+            <a:ext cx="3401334" cy="2286223"/>
+            <a:chOff x="5148064" y="2780928"/>
+            <a:chExt cx="3401334" cy="2286223"/>
+          </a:xfrm>
+        </p:grpSpPr>
+        <p:pic>
+          <p:nvPicPr>
+            <p:cNvPr id="10" name="Imagen 9">
+              <a:extLst>
+                <a:ext uri="{FF2B5EF4-FFF2-40B4-BE49-F238E27FC236}">
+                  <a16:creationId xmlns:a16="http://schemas.microsoft.com/office/drawing/2014/main" id="{4CA59377-D364-4FA0-B635-7ADAFEC6D840}"/>
+                </a:ext>
+              </a:extLst>
+            </p:cNvPr>
+            <p:cNvPicPr>
+              <a:picLocks noChangeAspect="1"/>
+            </p:cNvPicPr>
+            <p:nvPr/>
+          </p:nvPicPr>
+          <p:blipFill>
+            <a:blip r:embed="rId4"/>
+            <a:stretch>
+              <a:fillRect/>
+            </a:stretch>
+          </p:blipFill>
+          <p:spPr>
+            <a:xfrm>
+              <a:off x="5148064" y="2780928"/>
+              <a:ext cx="3401334" cy="2264917"/>
+            </a:xfrm>
+            <a:prstGeom prst="rect">
+              <a:avLst/>
+            </a:prstGeom>
+          </p:spPr>
+        </p:pic>
+        <p:sp>
+          <p:nvSpPr>
+            <p:cNvPr id="5" name="Rectángulo 4">
+              <a:extLst>
+                <a:ext uri="{FF2B5EF4-FFF2-40B4-BE49-F238E27FC236}">
+                  <a16:creationId xmlns:a16="http://schemas.microsoft.com/office/drawing/2014/main" id="{8A4C8366-E9FF-7063-ECDB-116B19F2E7C0}"/>
+                </a:ext>
+              </a:extLst>
+            </p:cNvPr>
+            <p:cNvSpPr/>
+            <p:nvPr/>
+          </p:nvSpPr>
+          <p:spPr>
+            <a:xfrm>
+              <a:off x="6516216" y="4768846"/>
+              <a:ext cx="360040" cy="248693"/>
+            </a:xfrm>
+            <a:prstGeom prst="rect">
+              <a:avLst/>
+            </a:prstGeom>
+            <a:solidFill>
+              <a:schemeClr val="bg1"/>
+            </a:solidFill>
+            <a:ln>
+              <a:noFill/>
+            </a:ln>
+          </p:spPr>
+          <p:style>
+            <a:lnRef idx="2">
+              <a:schemeClr val="accent1">
+                <a:shade val="50000"/>
+              </a:schemeClr>
+            </a:lnRef>
+            <a:fillRef idx="1">
+              <a:schemeClr val="accent1"/>
+            </a:fillRef>
+            <a:effectRef idx="0">
+              <a:schemeClr val="accent1"/>
+            </a:effectRef>
+            <a:fontRef idx="minor">
+              <a:schemeClr val="lt1"/>
+            </a:fontRef>
+          </p:style>
+          <p:txBody>
+            <a:bodyPr rtlCol="0" anchor="ctr"/>
+            <a:lstStyle/>
+            <a:p>
+              <a:pPr algn="ctr"/>
+              <a:endParaRPr lang="es-MX"/>
+            </a:p>
+          </p:txBody>
+        </p:sp>
+        <p:sp>
+          <p:nvSpPr>
+            <p:cNvPr id="3" name="CuadroTexto 2">
+              <a:extLst>
+                <a:ext uri="{FF2B5EF4-FFF2-40B4-BE49-F238E27FC236}">
+                  <a16:creationId xmlns:a16="http://schemas.microsoft.com/office/drawing/2014/main" id="{19FC223E-3618-6549-8F11-85F40F905F1F}"/>
+                </a:ext>
+              </a:extLst>
+            </p:cNvPr>
+            <p:cNvSpPr txBox="1"/>
+            <p:nvPr/>
+          </p:nvSpPr>
+          <p:spPr>
+            <a:xfrm>
+              <a:off x="6517069" y="4790152"/>
+              <a:ext cx="502638" cy="276999"/>
+            </a:xfrm>
+            <a:prstGeom prst="rect">
+              <a:avLst/>
+            </a:prstGeom>
+            <a:noFill/>
+          </p:spPr>
+          <p:txBody>
+            <a:bodyPr wrap="none" rtlCol="0">
+              <a:spAutoFit/>
+            </a:bodyPr>
+            <a:lstStyle/>
+            <a:p>
+              <a:r>
+                <a:rPr lang="es-MX" sz="1200" b="1" dirty="0"/>
+                <a:t>False</a:t>
+              </a:r>
+            </a:p>
+          </p:txBody>
+        </p:sp>
+      </p:grpSp>
     </p:spTree>
     <p:extLst>
       <p:ext uri="{BB962C8B-B14F-4D97-AF65-F5344CB8AC3E}">
@@ -6303,83 +6424,6 @@
           </a:prstGeom>
         </p:spPr>
       </p:pic>
-      <p:pic>
-        <p:nvPicPr>
-          <p:cNvPr id="10" name="Imagen 9">
-            <a:extLst>
-              <a:ext uri="{FF2B5EF4-FFF2-40B4-BE49-F238E27FC236}">
-                <a16:creationId xmlns:a16="http://schemas.microsoft.com/office/drawing/2014/main" id="{4CA59377-D364-4FA0-B635-7ADAFEC6D840}"/>
-              </a:ext>
-            </a:extLst>
-          </p:cNvPr>
-          <p:cNvPicPr>
-            <a:picLocks noChangeAspect="1"/>
-          </p:cNvPicPr>
-          <p:nvPr/>
-        </p:nvPicPr>
-        <p:blipFill>
-          <a:blip r:embed="rId3"/>
-          <a:stretch>
-            <a:fillRect/>
-          </a:stretch>
-        </p:blipFill>
-        <p:spPr>
-          <a:xfrm>
-            <a:off x="4844524" y="2641556"/>
-            <a:ext cx="3831932" cy="2551648"/>
-          </a:xfrm>
-          <a:prstGeom prst="rect">
-            <a:avLst/>
-          </a:prstGeom>
-        </p:spPr>
-      </p:pic>
-      <p:sp>
-        <p:nvSpPr>
-          <p:cNvPr id="12" name="Rectángulo 11">
-            <a:extLst>
-              <a:ext uri="{FF2B5EF4-FFF2-40B4-BE49-F238E27FC236}">
-                <a16:creationId xmlns:a16="http://schemas.microsoft.com/office/drawing/2014/main" id="{8160EA3C-D870-454A-967C-67BCEA746894}"/>
-              </a:ext>
-            </a:extLst>
-          </p:cNvPr>
-          <p:cNvSpPr/>
-          <p:nvPr/>
-        </p:nvSpPr>
-        <p:spPr>
-          <a:xfrm>
-            <a:off x="4758697" y="2497540"/>
-            <a:ext cx="2174059" cy="432048"/>
-          </a:xfrm>
-          <a:prstGeom prst="rect">
-            <a:avLst/>
-          </a:prstGeom>
-          <a:noFill/>
-        </p:spPr>
-        <p:style>
-          <a:lnRef idx="2">
-            <a:schemeClr val="accent1">
-              <a:shade val="50000"/>
-            </a:schemeClr>
-          </a:lnRef>
-          <a:fillRef idx="1">
-            <a:schemeClr val="accent1"/>
-          </a:fillRef>
-          <a:effectRef idx="0">
-            <a:schemeClr val="accent1"/>
-          </a:effectRef>
-          <a:fontRef idx="minor">
-            <a:schemeClr val="lt1"/>
-          </a:fontRef>
-        </p:style>
-        <p:txBody>
-          <a:bodyPr rtlCol="0" anchor="ctr"/>
-          <a:lstStyle/>
-          <a:p>
-            <a:pPr algn="ctr"/>
-            <a:endParaRPr lang="es-MX" dirty="0"/>
-          </a:p>
-        </p:txBody>
-      </p:sp>
       <p:cxnSp>
         <p:nvCxnSpPr>
           <p:cNvPr id="14" name="Conector recto de flecha 13">
@@ -6434,7 +6478,7 @@
           <p:nvPr/>
         </p:nvPicPr>
         <p:blipFill>
-          <a:blip r:embed="rId4"/>
+          <a:blip r:embed="rId3"/>
           <a:stretch>
             <a:fillRect/>
           </a:stretch>
@@ -6449,6 +6493,191 @@
           </a:prstGeom>
         </p:spPr>
       </p:pic>
+      <p:grpSp>
+        <p:nvGrpSpPr>
+          <p:cNvPr id="6" name="Grupo 5">
+            <a:extLst>
+              <a:ext uri="{FF2B5EF4-FFF2-40B4-BE49-F238E27FC236}">
+                <a16:creationId xmlns:a16="http://schemas.microsoft.com/office/drawing/2014/main" id="{38F86DF5-BA17-20B8-6481-A16D327E5F1D}"/>
+              </a:ext>
+            </a:extLst>
+          </p:cNvPr>
+          <p:cNvGrpSpPr/>
+          <p:nvPr/>
+        </p:nvGrpSpPr>
+        <p:grpSpPr>
+          <a:xfrm>
+            <a:off x="4816824" y="2636912"/>
+            <a:ext cx="3787624" cy="2520280"/>
+            <a:chOff x="5148064" y="2780928"/>
+            <a:chExt cx="3401334" cy="2286223"/>
+          </a:xfrm>
+        </p:grpSpPr>
+        <p:pic>
+          <p:nvPicPr>
+            <p:cNvPr id="7" name="Imagen 6">
+              <a:extLst>
+                <a:ext uri="{FF2B5EF4-FFF2-40B4-BE49-F238E27FC236}">
+                  <a16:creationId xmlns:a16="http://schemas.microsoft.com/office/drawing/2014/main" id="{300B336F-3B84-A1DF-7FD4-1CDD2759E84B}"/>
+                </a:ext>
+              </a:extLst>
+            </p:cNvPr>
+            <p:cNvPicPr>
+              <a:picLocks noChangeAspect="1"/>
+            </p:cNvPicPr>
+            <p:nvPr/>
+          </p:nvPicPr>
+          <p:blipFill>
+            <a:blip r:embed="rId4"/>
+            <a:stretch>
+              <a:fillRect/>
+            </a:stretch>
+          </p:blipFill>
+          <p:spPr>
+            <a:xfrm>
+              <a:off x="5148064" y="2780928"/>
+              <a:ext cx="3401334" cy="2264917"/>
+            </a:xfrm>
+            <a:prstGeom prst="rect">
+              <a:avLst/>
+            </a:prstGeom>
+          </p:spPr>
+        </p:pic>
+        <p:sp>
+          <p:nvSpPr>
+            <p:cNvPr id="8" name="Rectángulo 7">
+              <a:extLst>
+                <a:ext uri="{FF2B5EF4-FFF2-40B4-BE49-F238E27FC236}">
+                  <a16:creationId xmlns:a16="http://schemas.microsoft.com/office/drawing/2014/main" id="{C1350C16-4FCE-F655-DF01-C6EE30052A1E}"/>
+                </a:ext>
+              </a:extLst>
+            </p:cNvPr>
+            <p:cNvSpPr/>
+            <p:nvPr/>
+          </p:nvSpPr>
+          <p:spPr>
+            <a:xfrm>
+              <a:off x="6516216" y="4768846"/>
+              <a:ext cx="360040" cy="248693"/>
+            </a:xfrm>
+            <a:prstGeom prst="rect">
+              <a:avLst/>
+            </a:prstGeom>
+            <a:solidFill>
+              <a:schemeClr val="bg1"/>
+            </a:solidFill>
+            <a:ln>
+              <a:noFill/>
+            </a:ln>
+          </p:spPr>
+          <p:style>
+            <a:lnRef idx="2">
+              <a:schemeClr val="accent1">
+                <a:shade val="50000"/>
+              </a:schemeClr>
+            </a:lnRef>
+            <a:fillRef idx="1">
+              <a:schemeClr val="accent1"/>
+            </a:fillRef>
+            <a:effectRef idx="0">
+              <a:schemeClr val="accent1"/>
+            </a:effectRef>
+            <a:fontRef idx="minor">
+              <a:schemeClr val="lt1"/>
+            </a:fontRef>
+          </p:style>
+          <p:txBody>
+            <a:bodyPr rtlCol="0" anchor="ctr"/>
+            <a:lstStyle/>
+            <a:p>
+              <a:pPr algn="ctr"/>
+              <a:endParaRPr lang="es-MX"/>
+            </a:p>
+          </p:txBody>
+        </p:sp>
+        <p:sp>
+          <p:nvSpPr>
+            <p:cNvPr id="9" name="CuadroTexto 8">
+              <a:extLst>
+                <a:ext uri="{FF2B5EF4-FFF2-40B4-BE49-F238E27FC236}">
+                  <a16:creationId xmlns:a16="http://schemas.microsoft.com/office/drawing/2014/main" id="{B5C5A5D6-3F5A-B5F9-F62A-33BD2FE05258}"/>
+                </a:ext>
+              </a:extLst>
+            </p:cNvPr>
+            <p:cNvSpPr txBox="1"/>
+            <p:nvPr/>
+          </p:nvSpPr>
+          <p:spPr>
+            <a:xfrm>
+              <a:off x="6517069" y="4790152"/>
+              <a:ext cx="502638" cy="276999"/>
+            </a:xfrm>
+            <a:prstGeom prst="rect">
+              <a:avLst/>
+            </a:prstGeom>
+            <a:noFill/>
+          </p:spPr>
+          <p:txBody>
+            <a:bodyPr wrap="none" rtlCol="0">
+              <a:spAutoFit/>
+            </a:bodyPr>
+            <a:lstStyle/>
+            <a:p>
+              <a:r>
+                <a:rPr lang="es-MX" sz="1200" b="1" dirty="0"/>
+                <a:t>False</a:t>
+              </a:r>
+            </a:p>
+          </p:txBody>
+        </p:sp>
+      </p:grpSp>
+      <p:sp>
+        <p:nvSpPr>
+          <p:cNvPr id="12" name="Rectángulo 11">
+            <a:extLst>
+              <a:ext uri="{FF2B5EF4-FFF2-40B4-BE49-F238E27FC236}">
+                <a16:creationId xmlns:a16="http://schemas.microsoft.com/office/drawing/2014/main" id="{8160EA3C-D870-454A-967C-67BCEA746894}"/>
+              </a:ext>
+            </a:extLst>
+          </p:cNvPr>
+          <p:cNvSpPr/>
+          <p:nvPr/>
+        </p:nvSpPr>
+        <p:spPr>
+          <a:xfrm>
+            <a:off x="4758697" y="2497540"/>
+            <a:ext cx="2174059" cy="432048"/>
+          </a:xfrm>
+          <a:prstGeom prst="rect">
+            <a:avLst/>
+          </a:prstGeom>
+          <a:noFill/>
+        </p:spPr>
+        <p:style>
+          <a:lnRef idx="2">
+            <a:schemeClr val="accent1">
+              <a:shade val="50000"/>
+            </a:schemeClr>
+          </a:lnRef>
+          <a:fillRef idx="1">
+            <a:schemeClr val="accent1"/>
+          </a:fillRef>
+          <a:effectRef idx="0">
+            <a:schemeClr val="accent1"/>
+          </a:effectRef>
+          <a:fontRef idx="minor">
+            <a:schemeClr val="lt1"/>
+          </a:fontRef>
+        </p:style>
+        <p:txBody>
+          <a:bodyPr rtlCol="0" anchor="ctr"/>
+          <a:lstStyle/>
+          <a:p>
+            <a:pPr algn="ctr"/>
+            <a:endParaRPr lang="es-MX" dirty="0"/>
+          </a:p>
+        </p:txBody>
+      </p:sp>
     </p:spTree>
     <p:extLst>
       <p:ext uri="{BB962C8B-B14F-4D97-AF65-F5344CB8AC3E}">
@@ -6660,10 +6889,10 @@
       </p:pic>
       <p:pic>
         <p:nvPicPr>
-          <p:cNvPr id="10" name="Imagen 9">
+          <p:cNvPr id="2" name="Imagen 1">
             <a:extLst>
               <a:ext uri="{FF2B5EF4-FFF2-40B4-BE49-F238E27FC236}">
-                <a16:creationId xmlns:a16="http://schemas.microsoft.com/office/drawing/2014/main" id="{4CA59377-D364-4FA0-B635-7ADAFEC6D840}"/>
+                <a16:creationId xmlns:a16="http://schemas.microsoft.com/office/drawing/2014/main" id="{10533DD6-9F72-4DE1-29E9-9BBA33DB8342}"/>
               </a:ext>
             </a:extLst>
           </p:cNvPr>
@@ -6680,14 +6909,152 @@
         </p:blipFill>
         <p:spPr>
           <a:xfrm>
-            <a:off x="4716016" y="2425871"/>
-            <a:ext cx="3831932" cy="2551648"/>
+            <a:off x="6084168" y="5230239"/>
+            <a:ext cx="2246158" cy="1080120"/>
           </a:xfrm>
           <a:prstGeom prst="rect">
             <a:avLst/>
           </a:prstGeom>
         </p:spPr>
       </p:pic>
+      <p:grpSp>
+        <p:nvGrpSpPr>
+          <p:cNvPr id="6" name="Grupo 5">
+            <a:extLst>
+              <a:ext uri="{FF2B5EF4-FFF2-40B4-BE49-F238E27FC236}">
+                <a16:creationId xmlns:a16="http://schemas.microsoft.com/office/drawing/2014/main" id="{2256FB46-BDDE-5EB5-3E0F-4A44EE7897B0}"/>
+              </a:ext>
+            </a:extLst>
+          </p:cNvPr>
+          <p:cNvGrpSpPr/>
+          <p:nvPr/>
+        </p:nvGrpSpPr>
+        <p:grpSpPr>
+          <a:xfrm>
+            <a:off x="4788024" y="2462629"/>
+            <a:ext cx="3672408" cy="2514890"/>
+            <a:chOff x="5148064" y="2780928"/>
+            <a:chExt cx="3401334" cy="2286223"/>
+          </a:xfrm>
+        </p:grpSpPr>
+        <p:pic>
+          <p:nvPicPr>
+            <p:cNvPr id="7" name="Imagen 6">
+              <a:extLst>
+                <a:ext uri="{FF2B5EF4-FFF2-40B4-BE49-F238E27FC236}">
+                  <a16:creationId xmlns:a16="http://schemas.microsoft.com/office/drawing/2014/main" id="{22787E91-69B2-90BB-7D2D-433370663641}"/>
+                </a:ext>
+              </a:extLst>
+            </p:cNvPr>
+            <p:cNvPicPr>
+              <a:picLocks noChangeAspect="1"/>
+            </p:cNvPicPr>
+            <p:nvPr/>
+          </p:nvPicPr>
+          <p:blipFill>
+            <a:blip r:embed="rId4"/>
+            <a:stretch>
+              <a:fillRect/>
+            </a:stretch>
+          </p:blipFill>
+          <p:spPr>
+            <a:xfrm>
+              <a:off x="5148064" y="2780928"/>
+              <a:ext cx="3401334" cy="2264917"/>
+            </a:xfrm>
+            <a:prstGeom prst="rect">
+              <a:avLst/>
+            </a:prstGeom>
+          </p:spPr>
+        </p:pic>
+        <p:sp>
+          <p:nvSpPr>
+            <p:cNvPr id="8" name="Rectángulo 7">
+              <a:extLst>
+                <a:ext uri="{FF2B5EF4-FFF2-40B4-BE49-F238E27FC236}">
+                  <a16:creationId xmlns:a16="http://schemas.microsoft.com/office/drawing/2014/main" id="{6F310C2C-2EDA-9EA3-7F6D-5F7D7602FC4E}"/>
+                </a:ext>
+              </a:extLst>
+            </p:cNvPr>
+            <p:cNvSpPr/>
+            <p:nvPr/>
+          </p:nvSpPr>
+          <p:spPr>
+            <a:xfrm>
+              <a:off x="6516216" y="4768846"/>
+              <a:ext cx="360040" cy="248693"/>
+            </a:xfrm>
+            <a:prstGeom prst="rect">
+              <a:avLst/>
+            </a:prstGeom>
+            <a:solidFill>
+              <a:schemeClr val="bg1"/>
+            </a:solidFill>
+            <a:ln>
+              <a:noFill/>
+            </a:ln>
+          </p:spPr>
+          <p:style>
+            <a:lnRef idx="2">
+              <a:schemeClr val="accent1">
+                <a:shade val="50000"/>
+              </a:schemeClr>
+            </a:lnRef>
+            <a:fillRef idx="1">
+              <a:schemeClr val="accent1"/>
+            </a:fillRef>
+            <a:effectRef idx="0">
+              <a:schemeClr val="accent1"/>
+            </a:effectRef>
+            <a:fontRef idx="minor">
+              <a:schemeClr val="lt1"/>
+            </a:fontRef>
+          </p:style>
+          <p:txBody>
+            <a:bodyPr rtlCol="0" anchor="ctr"/>
+            <a:lstStyle/>
+            <a:p>
+              <a:pPr algn="ctr"/>
+              <a:endParaRPr lang="es-MX"/>
+            </a:p>
+          </p:txBody>
+        </p:sp>
+        <p:sp>
+          <p:nvSpPr>
+            <p:cNvPr id="11" name="CuadroTexto 10">
+              <a:extLst>
+                <a:ext uri="{FF2B5EF4-FFF2-40B4-BE49-F238E27FC236}">
+                  <a16:creationId xmlns:a16="http://schemas.microsoft.com/office/drawing/2014/main" id="{0D465C20-8046-E7A5-4267-049358383024}"/>
+                </a:ext>
+              </a:extLst>
+            </p:cNvPr>
+            <p:cNvSpPr txBox="1"/>
+            <p:nvPr/>
+          </p:nvSpPr>
+          <p:spPr>
+            <a:xfrm>
+              <a:off x="6517069" y="4790152"/>
+              <a:ext cx="502638" cy="276999"/>
+            </a:xfrm>
+            <a:prstGeom prst="rect">
+              <a:avLst/>
+            </a:prstGeom>
+            <a:noFill/>
+          </p:spPr>
+          <p:txBody>
+            <a:bodyPr wrap="none" rtlCol="0">
+              <a:spAutoFit/>
+            </a:bodyPr>
+            <a:lstStyle/>
+            <a:p>
+              <a:r>
+                <a:rPr lang="es-MX" sz="1200" b="1" dirty="0"/>
+                <a:t>False</a:t>
+              </a:r>
+            </a:p>
+          </p:txBody>
+        </p:sp>
+      </p:grpSp>
       <p:sp>
         <p:nvSpPr>
           <p:cNvPr id="12" name="Rectángulo 11">
@@ -6782,36 +7149,6 @@
           </a:p>
         </p:txBody>
       </p:sp>
-      <p:pic>
-        <p:nvPicPr>
-          <p:cNvPr id="2" name="Imagen 1">
-            <a:extLst>
-              <a:ext uri="{FF2B5EF4-FFF2-40B4-BE49-F238E27FC236}">
-                <a16:creationId xmlns:a16="http://schemas.microsoft.com/office/drawing/2014/main" id="{10533DD6-9F72-4DE1-29E9-9BBA33DB8342}"/>
-              </a:ext>
-            </a:extLst>
-          </p:cNvPr>
-          <p:cNvPicPr>
-            <a:picLocks noChangeAspect="1"/>
-          </p:cNvPicPr>
-          <p:nvPr/>
-        </p:nvPicPr>
-        <p:blipFill>
-          <a:blip r:embed="rId4"/>
-          <a:stretch>
-            <a:fillRect/>
-          </a:stretch>
-        </p:blipFill>
-        <p:spPr>
-          <a:xfrm>
-            <a:off x="6084168" y="5230239"/>
-            <a:ext cx="2246158" cy="1080120"/>
-          </a:xfrm>
-          <a:prstGeom prst="rect">
-            <a:avLst/>
-          </a:prstGeom>
-        </p:spPr>
-      </p:pic>
     </p:spTree>
     <p:extLst>
       <p:ext uri="{BB962C8B-B14F-4D97-AF65-F5344CB8AC3E}">
@@ -7103,36 +7440,6 @@
           </a:prstGeom>
         </p:spPr>
       </p:pic>
-      <p:pic>
-        <p:nvPicPr>
-          <p:cNvPr id="10" name="Imagen 9">
-            <a:extLst>
-              <a:ext uri="{FF2B5EF4-FFF2-40B4-BE49-F238E27FC236}">
-                <a16:creationId xmlns:a16="http://schemas.microsoft.com/office/drawing/2014/main" id="{4CA59377-D364-4FA0-B635-7ADAFEC6D840}"/>
-              </a:ext>
-            </a:extLst>
-          </p:cNvPr>
-          <p:cNvPicPr>
-            <a:picLocks noChangeAspect="1"/>
-          </p:cNvPicPr>
-          <p:nvPr/>
-        </p:nvPicPr>
-        <p:blipFill>
-          <a:blip r:embed="rId3"/>
-          <a:stretch>
-            <a:fillRect/>
-          </a:stretch>
-        </p:blipFill>
-        <p:spPr>
-          <a:xfrm>
-            <a:off x="4789579" y="2977690"/>
-            <a:ext cx="3831932" cy="2551648"/>
-          </a:xfrm>
-          <a:prstGeom prst="rect">
-            <a:avLst/>
-          </a:prstGeom>
-        </p:spPr>
-      </p:pic>
       <p:sp>
         <p:nvSpPr>
           <p:cNvPr id="12" name="Rectángulo 11">
@@ -7180,129 +7487,6 @@
           </a:p>
         </p:txBody>
       </p:sp>
-      <p:sp>
-        <p:nvSpPr>
-          <p:cNvPr id="9" name="Rectángulo 8">
-            <a:extLst>
-              <a:ext uri="{FF2B5EF4-FFF2-40B4-BE49-F238E27FC236}">
-                <a16:creationId xmlns:a16="http://schemas.microsoft.com/office/drawing/2014/main" id="{8B175A47-D9BA-40BF-A5ED-6CD84BE9911F}"/>
-              </a:ext>
-            </a:extLst>
-          </p:cNvPr>
-          <p:cNvSpPr/>
-          <p:nvPr/>
-        </p:nvSpPr>
-        <p:spPr>
-          <a:xfrm>
-            <a:off x="4789579" y="3722568"/>
-            <a:ext cx="3864254" cy="720080"/>
-          </a:xfrm>
-          <a:prstGeom prst="rect">
-            <a:avLst/>
-          </a:prstGeom>
-          <a:noFill/>
-        </p:spPr>
-        <p:style>
-          <a:lnRef idx="2">
-            <a:schemeClr val="accent1">
-              <a:shade val="50000"/>
-            </a:schemeClr>
-          </a:lnRef>
-          <a:fillRef idx="1">
-            <a:schemeClr val="accent1"/>
-          </a:fillRef>
-          <a:effectRef idx="0">
-            <a:schemeClr val="accent1"/>
-          </a:effectRef>
-          <a:fontRef idx="minor">
-            <a:schemeClr val="lt1"/>
-          </a:fontRef>
-        </p:style>
-        <p:txBody>
-          <a:bodyPr rtlCol="0" anchor="ctr"/>
-          <a:lstStyle/>
-          <a:p>
-            <a:pPr algn="ctr"/>
-            <a:endParaRPr lang="es-MX" dirty="0"/>
-          </a:p>
-        </p:txBody>
-      </p:sp>
-      <p:sp>
-        <p:nvSpPr>
-          <p:cNvPr id="2" name="CuadroTexto 1">
-            <a:extLst>
-              <a:ext uri="{FF2B5EF4-FFF2-40B4-BE49-F238E27FC236}">
-                <a16:creationId xmlns:a16="http://schemas.microsoft.com/office/drawing/2014/main" id="{DD8C4772-B5F0-496E-9E88-63147B63D36F}"/>
-              </a:ext>
-            </a:extLst>
-          </p:cNvPr>
-          <p:cNvSpPr txBox="1"/>
-          <p:nvPr/>
-        </p:nvSpPr>
-        <p:spPr>
-          <a:xfrm>
-            <a:off x="7164288" y="2916715"/>
-            <a:ext cx="1224136" cy="276999"/>
-          </a:xfrm>
-          <a:prstGeom prst="rect">
-            <a:avLst/>
-          </a:prstGeom>
-          <a:noFill/>
-        </p:spPr>
-        <p:txBody>
-          <a:bodyPr wrap="square" rtlCol="0">
-            <a:spAutoFit/>
-          </a:bodyPr>
-          <a:lstStyle/>
-          <a:p>
-            <a:r>
-              <a:rPr lang="es-MX" sz="1200" dirty="0"/>
-              <a:t>Clase hija</a:t>
-            </a:r>
-          </a:p>
-        </p:txBody>
-      </p:sp>
-      <p:cxnSp>
-        <p:nvCxnSpPr>
-          <p:cNvPr id="7" name="Conector recto de flecha 6">
-            <a:extLst>
-              <a:ext uri="{FF2B5EF4-FFF2-40B4-BE49-F238E27FC236}">
-                <a16:creationId xmlns:a16="http://schemas.microsoft.com/office/drawing/2014/main" id="{1079B840-8631-4FF9-A1F0-63D4578747B5}"/>
-              </a:ext>
-            </a:extLst>
-          </p:cNvPr>
-          <p:cNvCxnSpPr>
-            <a:endCxn id="10" idx="0"/>
-          </p:cNvCxnSpPr>
-          <p:nvPr/>
-        </p:nvCxnSpPr>
-        <p:spPr>
-          <a:xfrm flipH="1">
-            <a:off x="6804248" y="3075143"/>
-            <a:ext cx="360040" cy="0"/>
-          </a:xfrm>
-          <a:prstGeom prst="straightConnector1">
-            <a:avLst/>
-          </a:prstGeom>
-          <a:ln>
-            <a:tailEnd type="triangle"/>
-          </a:ln>
-        </p:spPr>
-        <p:style>
-          <a:lnRef idx="1">
-            <a:schemeClr val="accent1"/>
-          </a:lnRef>
-          <a:fillRef idx="0">
-            <a:schemeClr val="accent1"/>
-          </a:fillRef>
-          <a:effectRef idx="0">
-            <a:schemeClr val="accent1"/>
-          </a:effectRef>
-          <a:fontRef idx="minor">
-            <a:schemeClr val="tx1"/>
-          </a:fontRef>
-        </p:style>
-      </p:cxnSp>
       <p:sp>
         <p:nvSpPr>
           <p:cNvPr id="11" name="CuadroTexto 10">
@@ -7439,7 +7623,7 @@
           <p:nvPr/>
         </p:nvPicPr>
         <p:blipFill>
-          <a:blip r:embed="rId4"/>
+          <a:blip r:embed="rId3"/>
           <a:stretch>
             <a:fillRect/>
           </a:stretch>
@@ -7454,6 +7638,267 @@
           </a:prstGeom>
         </p:spPr>
       </p:pic>
+      <p:grpSp>
+        <p:nvGrpSpPr>
+          <p:cNvPr id="14" name="Grupo 13">
+            <a:extLst>
+              <a:ext uri="{FF2B5EF4-FFF2-40B4-BE49-F238E27FC236}">
+                <a16:creationId xmlns:a16="http://schemas.microsoft.com/office/drawing/2014/main" id="{326C4CBF-F894-12AC-67BA-77F07AE41300}"/>
+              </a:ext>
+            </a:extLst>
+          </p:cNvPr>
+          <p:cNvGrpSpPr/>
+          <p:nvPr/>
+        </p:nvGrpSpPr>
+        <p:grpSpPr>
+          <a:xfrm>
+            <a:off x="4820994" y="3034890"/>
+            <a:ext cx="3632721" cy="2477197"/>
+            <a:chOff x="5148064" y="2780928"/>
+            <a:chExt cx="3401334" cy="2286223"/>
+          </a:xfrm>
+        </p:grpSpPr>
+        <p:pic>
+          <p:nvPicPr>
+            <p:cNvPr id="15" name="Imagen 14">
+              <a:extLst>
+                <a:ext uri="{FF2B5EF4-FFF2-40B4-BE49-F238E27FC236}">
+                  <a16:creationId xmlns:a16="http://schemas.microsoft.com/office/drawing/2014/main" id="{895522F7-D544-12D9-3F59-250145D4CDF0}"/>
+                </a:ext>
+              </a:extLst>
+            </p:cNvPr>
+            <p:cNvPicPr>
+              <a:picLocks noChangeAspect="1"/>
+            </p:cNvPicPr>
+            <p:nvPr/>
+          </p:nvPicPr>
+          <p:blipFill>
+            <a:blip r:embed="rId4"/>
+            <a:stretch>
+              <a:fillRect/>
+            </a:stretch>
+          </p:blipFill>
+          <p:spPr>
+            <a:xfrm>
+              <a:off x="5148064" y="2780928"/>
+              <a:ext cx="3401334" cy="2264917"/>
+            </a:xfrm>
+            <a:prstGeom prst="rect">
+              <a:avLst/>
+            </a:prstGeom>
+          </p:spPr>
+        </p:pic>
+        <p:sp>
+          <p:nvSpPr>
+            <p:cNvPr id="16" name="Rectángulo 15">
+              <a:extLst>
+                <a:ext uri="{FF2B5EF4-FFF2-40B4-BE49-F238E27FC236}">
+                  <a16:creationId xmlns:a16="http://schemas.microsoft.com/office/drawing/2014/main" id="{E3129142-93AA-359C-C316-30BC0E530F18}"/>
+                </a:ext>
+              </a:extLst>
+            </p:cNvPr>
+            <p:cNvSpPr/>
+            <p:nvPr/>
+          </p:nvSpPr>
+          <p:spPr>
+            <a:xfrm>
+              <a:off x="6516216" y="4768846"/>
+              <a:ext cx="360040" cy="248693"/>
+            </a:xfrm>
+            <a:prstGeom prst="rect">
+              <a:avLst/>
+            </a:prstGeom>
+            <a:solidFill>
+              <a:schemeClr val="bg1"/>
+            </a:solidFill>
+            <a:ln>
+              <a:noFill/>
+            </a:ln>
+          </p:spPr>
+          <p:style>
+            <a:lnRef idx="2">
+              <a:schemeClr val="accent1">
+                <a:shade val="50000"/>
+              </a:schemeClr>
+            </a:lnRef>
+            <a:fillRef idx="1">
+              <a:schemeClr val="accent1"/>
+            </a:fillRef>
+            <a:effectRef idx="0">
+              <a:schemeClr val="accent1"/>
+            </a:effectRef>
+            <a:fontRef idx="minor">
+              <a:schemeClr val="lt1"/>
+            </a:fontRef>
+          </p:style>
+          <p:txBody>
+            <a:bodyPr rtlCol="0" anchor="ctr"/>
+            <a:lstStyle/>
+            <a:p>
+              <a:pPr algn="ctr"/>
+              <a:endParaRPr lang="es-MX"/>
+            </a:p>
+          </p:txBody>
+        </p:sp>
+        <p:sp>
+          <p:nvSpPr>
+            <p:cNvPr id="17" name="CuadroTexto 16">
+              <a:extLst>
+                <a:ext uri="{FF2B5EF4-FFF2-40B4-BE49-F238E27FC236}">
+                  <a16:creationId xmlns:a16="http://schemas.microsoft.com/office/drawing/2014/main" id="{CD876674-C46E-770D-C511-F41F9302DCFB}"/>
+                </a:ext>
+              </a:extLst>
+            </p:cNvPr>
+            <p:cNvSpPr txBox="1"/>
+            <p:nvPr/>
+          </p:nvSpPr>
+          <p:spPr>
+            <a:xfrm>
+              <a:off x="6517069" y="4790152"/>
+              <a:ext cx="502638" cy="276999"/>
+            </a:xfrm>
+            <a:prstGeom prst="rect">
+              <a:avLst/>
+            </a:prstGeom>
+            <a:noFill/>
+          </p:spPr>
+          <p:txBody>
+            <a:bodyPr wrap="none" rtlCol="0">
+              <a:spAutoFit/>
+            </a:bodyPr>
+            <a:lstStyle/>
+            <a:p>
+              <a:r>
+                <a:rPr lang="es-MX" sz="1200" b="1" dirty="0"/>
+                <a:t>False</a:t>
+              </a:r>
+            </a:p>
+          </p:txBody>
+        </p:sp>
+      </p:grpSp>
+      <p:sp>
+        <p:nvSpPr>
+          <p:cNvPr id="9" name="Rectángulo 8">
+            <a:extLst>
+              <a:ext uri="{FF2B5EF4-FFF2-40B4-BE49-F238E27FC236}">
+                <a16:creationId xmlns:a16="http://schemas.microsoft.com/office/drawing/2014/main" id="{8B175A47-D9BA-40BF-A5ED-6CD84BE9911F}"/>
+              </a:ext>
+            </a:extLst>
+          </p:cNvPr>
+          <p:cNvSpPr/>
+          <p:nvPr/>
+        </p:nvSpPr>
+        <p:spPr>
+          <a:xfrm>
+            <a:off x="4789579" y="3722568"/>
+            <a:ext cx="3864254" cy="720080"/>
+          </a:xfrm>
+          <a:prstGeom prst="rect">
+            <a:avLst/>
+          </a:prstGeom>
+          <a:noFill/>
+        </p:spPr>
+        <p:style>
+          <a:lnRef idx="2">
+            <a:schemeClr val="accent1">
+              <a:shade val="50000"/>
+            </a:schemeClr>
+          </a:lnRef>
+          <a:fillRef idx="1">
+            <a:schemeClr val="accent1"/>
+          </a:fillRef>
+          <a:effectRef idx="0">
+            <a:schemeClr val="accent1"/>
+          </a:effectRef>
+          <a:fontRef idx="minor">
+            <a:schemeClr val="lt1"/>
+          </a:fontRef>
+        </p:style>
+        <p:txBody>
+          <a:bodyPr rtlCol="0" anchor="ctr"/>
+          <a:lstStyle/>
+          <a:p>
+            <a:pPr algn="ctr"/>
+            <a:endParaRPr lang="es-MX" dirty="0"/>
+          </a:p>
+        </p:txBody>
+      </p:sp>
+      <p:sp>
+        <p:nvSpPr>
+          <p:cNvPr id="2" name="CuadroTexto 1">
+            <a:extLst>
+              <a:ext uri="{FF2B5EF4-FFF2-40B4-BE49-F238E27FC236}">
+                <a16:creationId xmlns:a16="http://schemas.microsoft.com/office/drawing/2014/main" id="{DD8C4772-B5F0-496E-9E88-63147B63D36F}"/>
+              </a:ext>
+            </a:extLst>
+          </p:cNvPr>
+          <p:cNvSpPr txBox="1"/>
+          <p:nvPr/>
+        </p:nvSpPr>
+        <p:spPr>
+          <a:xfrm>
+            <a:off x="7141665" y="3001517"/>
+            <a:ext cx="1224136" cy="276999"/>
+          </a:xfrm>
+          <a:prstGeom prst="rect">
+            <a:avLst/>
+          </a:prstGeom>
+          <a:noFill/>
+        </p:spPr>
+        <p:txBody>
+          <a:bodyPr wrap="square" rtlCol="0">
+            <a:spAutoFit/>
+          </a:bodyPr>
+          <a:lstStyle/>
+          <a:p>
+            <a:r>
+              <a:rPr lang="es-MX" sz="1200" dirty="0"/>
+              <a:t>Clase hija</a:t>
+            </a:r>
+          </a:p>
+        </p:txBody>
+      </p:sp>
+      <p:cxnSp>
+        <p:nvCxnSpPr>
+          <p:cNvPr id="7" name="Conector recto de flecha 6">
+            <a:extLst>
+              <a:ext uri="{FF2B5EF4-FFF2-40B4-BE49-F238E27FC236}">
+                <a16:creationId xmlns:a16="http://schemas.microsoft.com/office/drawing/2014/main" id="{1079B840-8631-4FF9-A1F0-63D4578747B5}"/>
+              </a:ext>
+            </a:extLst>
+          </p:cNvPr>
+          <p:cNvCxnSpPr>
+            <a:cxnSpLocks/>
+          </p:cNvCxnSpPr>
+          <p:nvPr/>
+        </p:nvCxnSpPr>
+        <p:spPr>
+          <a:xfrm flipH="1">
+            <a:off x="6781625" y="3139340"/>
+            <a:ext cx="360040" cy="0"/>
+          </a:xfrm>
+          <a:prstGeom prst="straightConnector1">
+            <a:avLst/>
+          </a:prstGeom>
+          <a:ln>
+            <a:tailEnd type="triangle"/>
+          </a:ln>
+        </p:spPr>
+        <p:style>
+          <a:lnRef idx="1">
+            <a:schemeClr val="accent1"/>
+          </a:lnRef>
+          <a:fillRef idx="0">
+            <a:schemeClr val="accent1"/>
+          </a:fillRef>
+          <a:effectRef idx="0">
+            <a:schemeClr val="accent1"/>
+          </a:effectRef>
+          <a:fontRef idx="minor">
+            <a:schemeClr val="tx1"/>
+          </a:fontRef>
+        </p:style>
+      </p:cxnSp>
     </p:spTree>
     <p:extLst>
       <p:ext uri="{BB962C8B-B14F-4D97-AF65-F5344CB8AC3E}">
@@ -7646,38 +8091,8 @@
         </p:blipFill>
         <p:spPr>
           <a:xfrm>
-            <a:off x="5421286" y="1824283"/>
+            <a:off x="5553876" y="1783643"/>
             <a:ext cx="3183161" cy="3115793"/>
-          </a:xfrm>
-          <a:prstGeom prst="rect">
-            <a:avLst/>
-          </a:prstGeom>
-        </p:spPr>
-      </p:pic>
-      <p:pic>
-        <p:nvPicPr>
-          <p:cNvPr id="10" name="Imagen 9">
-            <a:extLst>
-              <a:ext uri="{FF2B5EF4-FFF2-40B4-BE49-F238E27FC236}">
-                <a16:creationId xmlns:a16="http://schemas.microsoft.com/office/drawing/2014/main" id="{4CA59377-D364-4FA0-B635-7ADAFEC6D840}"/>
-              </a:ext>
-            </a:extLst>
-          </p:cNvPr>
-          <p:cNvPicPr>
-            <a:picLocks noChangeAspect="1"/>
-          </p:cNvPicPr>
-          <p:nvPr/>
-        </p:nvPicPr>
-        <p:blipFill>
-          <a:blip r:embed="rId3"/>
-          <a:stretch>
-            <a:fillRect/>
-          </a:stretch>
-        </p:blipFill>
-        <p:spPr>
-          <a:xfrm>
-            <a:off x="5364088" y="4031804"/>
-            <a:ext cx="3528392" cy="2349524"/>
           </a:xfrm>
           <a:prstGeom prst="rect">
             <a:avLst/>
@@ -7760,36 +8175,6 @@
       </p:cxnSp>
       <p:pic>
         <p:nvPicPr>
-          <p:cNvPr id="14" name="Imagen 13">
-            <a:extLst>
-              <a:ext uri="{FF2B5EF4-FFF2-40B4-BE49-F238E27FC236}">
-                <a16:creationId xmlns:a16="http://schemas.microsoft.com/office/drawing/2014/main" id="{61A9C495-5E02-4F14-BB05-7598C08986A6}"/>
-              </a:ext>
-            </a:extLst>
-          </p:cNvPr>
-          <p:cNvPicPr>
-            <a:picLocks noChangeAspect="1"/>
-          </p:cNvPicPr>
-          <p:nvPr/>
-        </p:nvPicPr>
-        <p:blipFill>
-          <a:blip r:embed="rId4"/>
-          <a:stretch>
-            <a:fillRect/>
-          </a:stretch>
-        </p:blipFill>
-        <p:spPr>
-          <a:xfrm>
-            <a:off x="395536" y="1916832"/>
-            <a:ext cx="4815234" cy="2349524"/>
-          </a:xfrm>
-          <a:prstGeom prst="rect">
-            <a:avLst/>
-          </a:prstGeom>
-        </p:spPr>
-      </p:pic>
-      <p:pic>
-        <p:nvPicPr>
           <p:cNvPr id="2" name="Imagen 1">
             <a:extLst>
               <a:ext uri="{FF2B5EF4-FFF2-40B4-BE49-F238E27FC236}">
@@ -7803,7 +8188,7 @@
           <p:nvPr/>
         </p:nvPicPr>
         <p:blipFill>
-          <a:blip r:embed="rId5"/>
+          <a:blip r:embed="rId3"/>
           <a:stretch>
             <a:fillRect/>
           </a:stretch>
@@ -7818,6 +8203,316 @@
           </a:prstGeom>
         </p:spPr>
       </p:pic>
+      <p:grpSp>
+        <p:nvGrpSpPr>
+          <p:cNvPr id="12" name="Grupo 11">
+            <a:extLst>
+              <a:ext uri="{FF2B5EF4-FFF2-40B4-BE49-F238E27FC236}">
+                <a16:creationId xmlns:a16="http://schemas.microsoft.com/office/drawing/2014/main" id="{54C71A0A-8EF8-8C6E-9415-D8506C12DF6B}"/>
+              </a:ext>
+            </a:extLst>
+          </p:cNvPr>
+          <p:cNvGrpSpPr/>
+          <p:nvPr/>
+        </p:nvGrpSpPr>
+        <p:grpSpPr>
+          <a:xfrm>
+            <a:off x="5444789" y="4005064"/>
+            <a:ext cx="3401334" cy="2286223"/>
+            <a:chOff x="5148064" y="2780928"/>
+            <a:chExt cx="3401334" cy="2286223"/>
+          </a:xfrm>
+        </p:grpSpPr>
+        <p:pic>
+          <p:nvPicPr>
+            <p:cNvPr id="15" name="Imagen 14">
+              <a:extLst>
+                <a:ext uri="{FF2B5EF4-FFF2-40B4-BE49-F238E27FC236}">
+                  <a16:creationId xmlns:a16="http://schemas.microsoft.com/office/drawing/2014/main" id="{CCA0A112-D592-C7A0-1D09-9A91AD39E878}"/>
+                </a:ext>
+              </a:extLst>
+            </p:cNvPr>
+            <p:cNvPicPr>
+              <a:picLocks noChangeAspect="1"/>
+            </p:cNvPicPr>
+            <p:nvPr/>
+          </p:nvPicPr>
+          <p:blipFill>
+            <a:blip r:embed="rId4"/>
+            <a:stretch>
+              <a:fillRect/>
+            </a:stretch>
+          </p:blipFill>
+          <p:spPr>
+            <a:xfrm>
+              <a:off x="5148064" y="2780928"/>
+              <a:ext cx="3401334" cy="2264917"/>
+            </a:xfrm>
+            <a:prstGeom prst="rect">
+              <a:avLst/>
+            </a:prstGeom>
+          </p:spPr>
+        </p:pic>
+        <p:sp>
+          <p:nvSpPr>
+            <p:cNvPr id="16" name="Rectángulo 15">
+              <a:extLst>
+                <a:ext uri="{FF2B5EF4-FFF2-40B4-BE49-F238E27FC236}">
+                  <a16:creationId xmlns:a16="http://schemas.microsoft.com/office/drawing/2014/main" id="{0003B6F0-9DB3-2176-EB89-0BD84DDBCBFE}"/>
+                </a:ext>
+              </a:extLst>
+            </p:cNvPr>
+            <p:cNvSpPr/>
+            <p:nvPr/>
+          </p:nvSpPr>
+          <p:spPr>
+            <a:xfrm>
+              <a:off x="6516216" y="4768846"/>
+              <a:ext cx="360040" cy="248693"/>
+            </a:xfrm>
+            <a:prstGeom prst="rect">
+              <a:avLst/>
+            </a:prstGeom>
+            <a:solidFill>
+              <a:schemeClr val="bg1"/>
+            </a:solidFill>
+            <a:ln>
+              <a:noFill/>
+            </a:ln>
+          </p:spPr>
+          <p:style>
+            <a:lnRef idx="2">
+              <a:schemeClr val="accent1">
+                <a:shade val="50000"/>
+              </a:schemeClr>
+            </a:lnRef>
+            <a:fillRef idx="1">
+              <a:schemeClr val="accent1"/>
+            </a:fillRef>
+            <a:effectRef idx="0">
+              <a:schemeClr val="accent1"/>
+            </a:effectRef>
+            <a:fontRef idx="minor">
+              <a:schemeClr val="lt1"/>
+            </a:fontRef>
+          </p:style>
+          <p:txBody>
+            <a:bodyPr rtlCol="0" anchor="ctr"/>
+            <a:lstStyle/>
+            <a:p>
+              <a:pPr algn="ctr"/>
+              <a:endParaRPr lang="es-MX"/>
+            </a:p>
+          </p:txBody>
+        </p:sp>
+        <p:sp>
+          <p:nvSpPr>
+            <p:cNvPr id="17" name="CuadroTexto 16">
+              <a:extLst>
+                <a:ext uri="{FF2B5EF4-FFF2-40B4-BE49-F238E27FC236}">
+                  <a16:creationId xmlns:a16="http://schemas.microsoft.com/office/drawing/2014/main" id="{EC94F494-D3B4-6888-AE15-7142AF1006C4}"/>
+                </a:ext>
+              </a:extLst>
+            </p:cNvPr>
+            <p:cNvSpPr txBox="1"/>
+            <p:nvPr/>
+          </p:nvSpPr>
+          <p:spPr>
+            <a:xfrm>
+              <a:off x="6517069" y="4790152"/>
+              <a:ext cx="502638" cy="276999"/>
+            </a:xfrm>
+            <a:prstGeom prst="rect">
+              <a:avLst/>
+            </a:prstGeom>
+            <a:noFill/>
+          </p:spPr>
+          <p:txBody>
+            <a:bodyPr wrap="none" rtlCol="0">
+              <a:spAutoFit/>
+            </a:bodyPr>
+            <a:lstStyle/>
+            <a:p>
+              <a:r>
+                <a:rPr lang="es-MX" sz="1200" b="1" dirty="0"/>
+                <a:t>False</a:t>
+              </a:r>
+            </a:p>
+          </p:txBody>
+        </p:sp>
+      </p:grpSp>
+      <p:grpSp>
+        <p:nvGrpSpPr>
+          <p:cNvPr id="19" name="Grupo 18">
+            <a:extLst>
+              <a:ext uri="{FF2B5EF4-FFF2-40B4-BE49-F238E27FC236}">
+                <a16:creationId xmlns:a16="http://schemas.microsoft.com/office/drawing/2014/main" id="{0A6590E4-C7EF-CAAE-7333-83AF36435FC2}"/>
+              </a:ext>
+            </a:extLst>
+          </p:cNvPr>
+          <p:cNvGrpSpPr/>
+          <p:nvPr/>
+        </p:nvGrpSpPr>
+        <p:grpSpPr>
+          <a:xfrm>
+            <a:off x="351599" y="1916832"/>
+            <a:ext cx="4859171" cy="2971867"/>
+            <a:chOff x="351599" y="1916832"/>
+            <a:chExt cx="4859171" cy="2971867"/>
+          </a:xfrm>
+        </p:grpSpPr>
+        <p:pic>
+          <p:nvPicPr>
+            <p:cNvPr id="14" name="Imagen 13">
+              <a:extLst>
+                <a:ext uri="{FF2B5EF4-FFF2-40B4-BE49-F238E27FC236}">
+                  <a16:creationId xmlns:a16="http://schemas.microsoft.com/office/drawing/2014/main" id="{61A9C495-5E02-4F14-BB05-7598C08986A6}"/>
+                </a:ext>
+              </a:extLst>
+            </p:cNvPr>
+            <p:cNvPicPr>
+              <a:picLocks noChangeAspect="1"/>
+            </p:cNvPicPr>
+            <p:nvPr/>
+          </p:nvPicPr>
+          <p:blipFill>
+            <a:blip r:embed="rId5"/>
+            <a:stretch>
+              <a:fillRect/>
+            </a:stretch>
+          </p:blipFill>
+          <p:spPr>
+            <a:xfrm>
+              <a:off x="395536" y="1916832"/>
+              <a:ext cx="4815234" cy="2349524"/>
+            </a:xfrm>
+            <a:prstGeom prst="rect">
+              <a:avLst/>
+            </a:prstGeom>
+          </p:spPr>
+        </p:pic>
+        <p:sp>
+          <p:nvSpPr>
+            <p:cNvPr id="18" name="CuadroTexto 17">
+              <a:extLst>
+                <a:ext uri="{FF2B5EF4-FFF2-40B4-BE49-F238E27FC236}">
+                  <a16:creationId xmlns:a16="http://schemas.microsoft.com/office/drawing/2014/main" id="{C06F7035-8842-6CEF-A519-2BE984F012F8}"/>
+                </a:ext>
+              </a:extLst>
+            </p:cNvPr>
+            <p:cNvSpPr txBox="1"/>
+            <p:nvPr/>
+          </p:nvSpPr>
+          <p:spPr>
+            <a:xfrm>
+              <a:off x="351599" y="4288535"/>
+              <a:ext cx="2566052" cy="600164"/>
+            </a:xfrm>
+            <a:prstGeom prst="rect">
+              <a:avLst/>
+            </a:prstGeom>
+            <a:noFill/>
+          </p:spPr>
+          <p:txBody>
+            <a:bodyPr wrap="square" rtlCol="0">
+              <a:spAutoFit/>
+            </a:bodyPr>
+            <a:lstStyle/>
+            <a:p>
+              <a:r>
+                <a:rPr lang="es-MX" sz="1100" dirty="0">
+                  <a:solidFill>
+                    <a:schemeClr val="tx1">
+                      <a:lumMod val="50000"/>
+                      <a:lumOff val="50000"/>
+                    </a:schemeClr>
+                  </a:solidFill>
+                  <a:latin typeface="Consolas" panose="020B0609020204030204" pitchFamily="49" charset="0"/>
+                </a:rPr>
+                <a:t>&gt;&gt;&gt; cv1.</a:t>
+              </a:r>
+              <a:r>
+                <a:rPr lang="es-MX" sz="1100" dirty="0">
+                  <a:solidFill>
+                    <a:srgbClr val="00B0F0"/>
+                  </a:solidFill>
+                  <a:latin typeface="Consolas" panose="020B0609020204030204" pitchFamily="49" charset="0"/>
+                </a:rPr>
+                <a:t>vuela()</a:t>
+              </a:r>
+            </a:p>
+            <a:p>
+              <a:r>
+                <a:rPr lang="es-MX" sz="1100" dirty="0">
+                  <a:solidFill>
+                    <a:schemeClr val="tx1">
+                      <a:lumMod val="50000"/>
+                      <a:lumOff val="50000"/>
+                    </a:schemeClr>
+                  </a:solidFill>
+                  <a:latin typeface="Consolas" panose="020B0609020204030204" pitchFamily="49" charset="0"/>
+                </a:rPr>
+                <a:t>&gt;&gt;&gt; </a:t>
+              </a:r>
+              <a:r>
+                <a:rPr lang="es-MX" sz="1100" dirty="0" err="1">
+                  <a:solidFill>
+                    <a:schemeClr val="accent5"/>
+                  </a:solidFill>
+                  <a:latin typeface="Consolas" panose="020B0609020204030204" pitchFamily="49" charset="0"/>
+                </a:rPr>
+                <a:t>print</a:t>
+              </a:r>
+              <a:r>
+                <a:rPr lang="es-MX" sz="1100" dirty="0">
+                  <a:solidFill>
+                    <a:schemeClr val="tx1">
+                      <a:lumMod val="50000"/>
+                      <a:lumOff val="50000"/>
+                    </a:schemeClr>
+                  </a:solidFill>
+                  <a:latin typeface="Consolas" panose="020B0609020204030204" pitchFamily="49" charset="0"/>
+                </a:rPr>
+                <a:t>(cv1.</a:t>
+              </a:r>
+              <a:r>
+                <a:rPr lang="es-MX" sz="1100" dirty="0">
+                  <a:solidFill>
+                    <a:schemeClr val="accent5"/>
+                  </a:solidFill>
+                  <a:latin typeface="Consolas" panose="020B0609020204030204" pitchFamily="49" charset="0"/>
+                </a:rPr>
+                <a:t>esta_volando</a:t>
+              </a:r>
+              <a:r>
+                <a:rPr lang="es-MX" sz="1100" dirty="0">
+                  <a:solidFill>
+                    <a:schemeClr val="tx1">
+                      <a:lumMod val="50000"/>
+                      <a:lumOff val="50000"/>
+                    </a:schemeClr>
+                  </a:solidFill>
+                  <a:latin typeface="Consolas" panose="020B0609020204030204" pitchFamily="49" charset="0"/>
+                </a:rPr>
+                <a:t>)</a:t>
+              </a:r>
+            </a:p>
+            <a:p>
+              <a:r>
+                <a:rPr lang="es-MX" sz="1100" b="1" dirty="0">
+                  <a:solidFill>
+                    <a:schemeClr val="accent1">
+                      <a:lumMod val="75000"/>
+                    </a:schemeClr>
+                  </a:solidFill>
+                  <a:latin typeface="Consolas" panose="020B0609020204030204" pitchFamily="49" charset="0"/>
+                </a:rPr>
+                <a:t>True</a:t>
+              </a:r>
+            </a:p>
+          </p:txBody>
+        </p:sp>
+      </p:grpSp>
     </p:spTree>
     <p:extLst>
       <p:ext uri="{BB962C8B-B14F-4D97-AF65-F5344CB8AC3E}">
@@ -9989,60 +10684,12 @@
           <a:chExt cx="0" cy="0"/>
         </a:xfrm>
       </p:grpSpPr>
-      <p:sp>
-        <p:nvSpPr>
-          <p:cNvPr id="6" name="Rectangle 2">
+      <p:pic>
+        <p:nvPicPr>
+          <p:cNvPr id="5" name="Imagen 4">
             <a:extLst>
               <a:ext uri="{FF2B5EF4-FFF2-40B4-BE49-F238E27FC236}">
-                <a16:creationId xmlns:a16="http://schemas.microsoft.com/office/drawing/2014/main" id="{08912013-0DAA-4E2F-81D3-4CE3B7140A06}"/>
-              </a:ext>
-            </a:extLst>
-          </p:cNvPr>
-          <p:cNvSpPr>
-            <a:spLocks noGrp="1" noChangeArrowheads="1"/>
-          </p:cNvSpPr>
-          <p:nvPr>
-            <p:ph type="title"/>
-          </p:nvPr>
-        </p:nvSpPr>
-        <p:spPr>
-          <a:xfrm>
-            <a:off x="925513" y="0"/>
-            <a:ext cx="7174879" cy="1143001"/>
-          </a:xfrm>
-        </p:spPr>
-        <p:txBody>
-          <a:bodyPr>
-            <a:normAutofit/>
-          </a:bodyPr>
-          <a:lstStyle/>
-          <a:p>
-            <a:pPr algn="ctr"/>
-            <a:r>
-              <a:rPr lang="es-ES_tradnl" altLang="es-MX" b="1" dirty="0">
-                <a:solidFill>
-                  <a:schemeClr val="accent4">
-                    <a:lumMod val="50000"/>
-                  </a:schemeClr>
-                </a:solidFill>
-                <a:effectLst>
-                  <a:outerShdw blurRad="38100" dist="38100" dir="2700000" algn="tl">
-                    <a:srgbClr val="C0C0C0"/>
-                  </a:outerShdw>
-                </a:effectLst>
-                <a:latin typeface="Dom Casual" charset="0"/>
-              </a:rPr>
-              <a:t>Ejemplo: Herencia</a:t>
-            </a:r>
-          </a:p>
-        </p:txBody>
-      </p:sp>
-      <p:pic>
-        <p:nvPicPr>
-          <p:cNvPr id="4" name="Imagen 3">
-            <a:extLst>
-              <a:ext uri="{FF2B5EF4-FFF2-40B4-BE49-F238E27FC236}">
-                <a16:creationId xmlns:a16="http://schemas.microsoft.com/office/drawing/2014/main" id="{835EBBED-B807-410A-ABFA-42A539FB3257}"/>
+                <a16:creationId xmlns:a16="http://schemas.microsoft.com/office/drawing/2014/main" id="{E8263A51-8535-31F9-A047-06CE7989D788}"/>
               </a:ext>
             </a:extLst>
           </p:cNvPr>
@@ -10059,14 +10706,62 @@
         </p:blipFill>
         <p:spPr>
           <a:xfrm>
-            <a:off x="1264922" y="1268760"/>
-            <a:ext cx="6865748" cy="4968552"/>
+            <a:off x="827584" y="1052736"/>
+            <a:ext cx="7174879" cy="5555370"/>
           </a:xfrm>
           <a:prstGeom prst="rect">
             <a:avLst/>
           </a:prstGeom>
         </p:spPr>
       </p:pic>
+      <p:sp>
+        <p:nvSpPr>
+          <p:cNvPr id="6" name="Rectangle 2">
+            <a:extLst>
+              <a:ext uri="{FF2B5EF4-FFF2-40B4-BE49-F238E27FC236}">
+                <a16:creationId xmlns:a16="http://schemas.microsoft.com/office/drawing/2014/main" id="{08912013-0DAA-4E2F-81D3-4CE3B7140A06}"/>
+              </a:ext>
+            </a:extLst>
+          </p:cNvPr>
+          <p:cNvSpPr>
+            <a:spLocks noGrp="1" noChangeArrowheads="1"/>
+          </p:cNvSpPr>
+          <p:nvPr>
+            <p:ph type="title"/>
+          </p:nvPr>
+        </p:nvSpPr>
+        <p:spPr>
+          <a:xfrm>
+            <a:off x="925513" y="0"/>
+            <a:ext cx="7174879" cy="1143001"/>
+          </a:xfrm>
+        </p:spPr>
+        <p:txBody>
+          <a:bodyPr>
+            <a:normAutofit/>
+          </a:bodyPr>
+          <a:lstStyle/>
+          <a:p>
+            <a:pPr algn="ctr"/>
+            <a:r>
+              <a:rPr lang="es-ES_tradnl" altLang="es-MX" b="1" dirty="0">
+                <a:solidFill>
+                  <a:schemeClr val="accent4">
+                    <a:lumMod val="50000"/>
+                  </a:schemeClr>
+                </a:solidFill>
+                <a:effectLst>
+                  <a:outerShdw blurRad="38100" dist="38100" dir="2700000" algn="tl">
+                    <a:srgbClr val="C0C0C0"/>
+                  </a:outerShdw>
+                </a:effectLst>
+                <a:latin typeface="Dom Casual" charset="0"/>
+              </a:rPr>
+              <a:t>Ejemplo: Herencia</a:t>
+            </a:r>
+          </a:p>
+        </p:txBody>
+      </p:sp>
       <p:pic>
         <p:nvPicPr>
           <p:cNvPr id="3" name="Imagen 2">
@@ -10089,7 +10784,7 @@
         </p:blipFill>
         <p:spPr>
           <a:xfrm>
-            <a:off x="7236296" y="692696"/>
+            <a:off x="7308304" y="692696"/>
             <a:ext cx="1198871" cy="1862708"/>
           </a:xfrm>
           <a:prstGeom prst="rect">
@@ -11890,289 +12585,6 @@
           <a:chExt cx="0" cy="0"/>
         </a:xfrm>
       </p:grpSpPr>
-      <p:sp>
-        <p:nvSpPr>
-          <p:cNvPr id="6" name="Rectangle 2">
-            <a:extLst>
-              <a:ext uri="{FF2B5EF4-FFF2-40B4-BE49-F238E27FC236}">
-                <a16:creationId xmlns:a16="http://schemas.microsoft.com/office/drawing/2014/main" id="{08912013-0DAA-4E2F-81D3-4CE3B7140A06}"/>
-              </a:ext>
-            </a:extLst>
-          </p:cNvPr>
-          <p:cNvSpPr>
-            <a:spLocks noGrp="1" noChangeArrowheads="1"/>
-          </p:cNvSpPr>
-          <p:nvPr>
-            <p:ph type="title"/>
-          </p:nvPr>
-        </p:nvSpPr>
-        <p:spPr>
-          <a:xfrm>
-            <a:off x="925513" y="0"/>
-            <a:ext cx="7174879" cy="1143001"/>
-          </a:xfrm>
-        </p:spPr>
-        <p:txBody>
-          <a:bodyPr>
-            <a:normAutofit/>
-          </a:bodyPr>
-          <a:lstStyle/>
-          <a:p>
-            <a:pPr algn="ctr"/>
-            <a:r>
-              <a:rPr lang="es-ES_tradnl" altLang="es-MX" b="1" dirty="0">
-                <a:solidFill>
-                  <a:schemeClr val="accent4">
-                    <a:lumMod val="50000"/>
-                  </a:schemeClr>
-                </a:solidFill>
-                <a:effectLst>
-                  <a:outerShdw blurRad="38100" dist="38100" dir="2700000" algn="tl">
-                    <a:srgbClr val="C0C0C0"/>
-                  </a:outerShdw>
-                </a:effectLst>
-                <a:latin typeface="Dom Casual" charset="0"/>
-              </a:rPr>
-              <a:t>Ejemplo: Herencia</a:t>
-            </a:r>
-          </a:p>
-        </p:txBody>
-      </p:sp>
-      <p:sp>
-        <p:nvSpPr>
-          <p:cNvPr id="8" name="Rectangle 3">
-            <a:extLst>
-              <a:ext uri="{FF2B5EF4-FFF2-40B4-BE49-F238E27FC236}">
-                <a16:creationId xmlns:a16="http://schemas.microsoft.com/office/drawing/2014/main" id="{36965C09-729F-4A40-B173-C14D1DCB7A9A}"/>
-              </a:ext>
-            </a:extLst>
-          </p:cNvPr>
-          <p:cNvSpPr txBox="1">
-            <a:spLocks noChangeArrowheads="1"/>
-          </p:cNvSpPr>
-          <p:nvPr/>
-        </p:nvSpPr>
-        <p:spPr>
-          <a:xfrm>
-            <a:off x="6162410" y="1772816"/>
-            <a:ext cx="2304256" cy="1143001"/>
-          </a:xfrm>
-          <a:prstGeom prst="rect">
-            <a:avLst/>
-          </a:prstGeom>
-        </p:spPr>
-        <p:txBody>
-          <a:bodyPr vert="horz" lIns="91440" tIns="45720" rIns="91440" bIns="45720" rtlCol="0">
-            <a:noAutofit/>
-          </a:bodyPr>
-          <a:lstStyle>
-            <a:lvl1pPr marL="342900" indent="-342900" algn="l" defTabSz="914400" rtl="0" eaLnBrk="1" latinLnBrk="0" hangingPunct="1">
-              <a:spcBef>
-                <a:spcPct val="20000"/>
-              </a:spcBef>
-              <a:buFont typeface="Arial" pitchFamily="34" charset="0"/>
-              <a:buChar char="•"/>
-              <a:defRPr sz="3200" kern="1200">
-                <a:solidFill>
-                  <a:schemeClr val="tx1"/>
-                </a:solidFill>
-                <a:latin typeface="+mn-lt"/>
-                <a:ea typeface="+mn-ea"/>
-                <a:cs typeface="+mn-cs"/>
-              </a:defRPr>
-            </a:lvl1pPr>
-            <a:lvl2pPr marL="742950" indent="-285750" algn="l" defTabSz="914400" rtl="0" eaLnBrk="1" latinLnBrk="0" hangingPunct="1">
-              <a:spcBef>
-                <a:spcPct val="20000"/>
-              </a:spcBef>
-              <a:buFont typeface="Arial" pitchFamily="34" charset="0"/>
-              <a:buChar char="–"/>
-              <a:defRPr sz="2800" kern="1200">
-                <a:solidFill>
-                  <a:schemeClr val="tx1"/>
-                </a:solidFill>
-                <a:latin typeface="+mn-lt"/>
-                <a:ea typeface="+mn-ea"/>
-                <a:cs typeface="+mn-cs"/>
-              </a:defRPr>
-            </a:lvl2pPr>
-            <a:lvl3pPr marL="1143000" indent="-228600" algn="l" defTabSz="914400" rtl="0" eaLnBrk="1" latinLnBrk="0" hangingPunct="1">
-              <a:spcBef>
-                <a:spcPct val="20000"/>
-              </a:spcBef>
-              <a:buFont typeface="Arial" pitchFamily="34" charset="0"/>
-              <a:buChar char="•"/>
-              <a:defRPr sz="2400" kern="1200">
-                <a:solidFill>
-                  <a:schemeClr val="tx1"/>
-                </a:solidFill>
-                <a:latin typeface="+mn-lt"/>
-                <a:ea typeface="+mn-ea"/>
-                <a:cs typeface="+mn-cs"/>
-              </a:defRPr>
-            </a:lvl3pPr>
-            <a:lvl4pPr marL="1600200" indent="-228600" algn="l" defTabSz="914400" rtl="0" eaLnBrk="1" latinLnBrk="0" hangingPunct="1">
-              <a:spcBef>
-                <a:spcPct val="20000"/>
-              </a:spcBef>
-              <a:buFont typeface="Arial" pitchFamily="34" charset="0"/>
-              <a:buChar char="–"/>
-              <a:defRPr sz="2000" kern="1200">
-                <a:solidFill>
-                  <a:schemeClr val="tx1"/>
-                </a:solidFill>
-                <a:latin typeface="+mn-lt"/>
-                <a:ea typeface="+mn-ea"/>
-                <a:cs typeface="+mn-cs"/>
-              </a:defRPr>
-            </a:lvl4pPr>
-            <a:lvl5pPr marL="2057400" indent="-228600" algn="l" defTabSz="914400" rtl="0" eaLnBrk="1" latinLnBrk="0" hangingPunct="1">
-              <a:spcBef>
-                <a:spcPct val="20000"/>
-              </a:spcBef>
-              <a:buFont typeface="Arial" pitchFamily="34" charset="0"/>
-              <a:buChar char="»"/>
-              <a:defRPr sz="2000" kern="1200">
-                <a:solidFill>
-                  <a:schemeClr val="tx1"/>
-                </a:solidFill>
-                <a:latin typeface="+mn-lt"/>
-                <a:ea typeface="+mn-ea"/>
-                <a:cs typeface="+mn-cs"/>
-              </a:defRPr>
-            </a:lvl5pPr>
-            <a:lvl6pPr marL="2514600" indent="-228600" algn="l" defTabSz="914400" rtl="0" eaLnBrk="1" latinLnBrk="0" hangingPunct="1">
-              <a:spcBef>
-                <a:spcPct val="20000"/>
-              </a:spcBef>
-              <a:buFont typeface="Arial" pitchFamily="34" charset="0"/>
-              <a:buChar char="•"/>
-              <a:defRPr sz="2000" kern="1200">
-                <a:solidFill>
-                  <a:schemeClr val="tx1"/>
-                </a:solidFill>
-                <a:latin typeface="+mn-lt"/>
-                <a:ea typeface="+mn-ea"/>
-                <a:cs typeface="+mn-cs"/>
-              </a:defRPr>
-            </a:lvl6pPr>
-            <a:lvl7pPr marL="2971800" indent="-228600" algn="l" defTabSz="914400" rtl="0" eaLnBrk="1" latinLnBrk="0" hangingPunct="1">
-              <a:spcBef>
-                <a:spcPct val="20000"/>
-              </a:spcBef>
-              <a:buFont typeface="Arial" pitchFamily="34" charset="0"/>
-              <a:buChar char="•"/>
-              <a:defRPr sz="2000" kern="1200">
-                <a:solidFill>
-                  <a:schemeClr val="tx1"/>
-                </a:solidFill>
-                <a:latin typeface="+mn-lt"/>
-                <a:ea typeface="+mn-ea"/>
-                <a:cs typeface="+mn-cs"/>
-              </a:defRPr>
-            </a:lvl7pPr>
-            <a:lvl8pPr marL="3429000" indent="-228600" algn="l" defTabSz="914400" rtl="0" eaLnBrk="1" latinLnBrk="0" hangingPunct="1">
-              <a:spcBef>
-                <a:spcPct val="20000"/>
-              </a:spcBef>
-              <a:buFont typeface="Arial" pitchFamily="34" charset="0"/>
-              <a:buChar char="•"/>
-              <a:defRPr sz="2000" kern="1200">
-                <a:solidFill>
-                  <a:schemeClr val="tx1"/>
-                </a:solidFill>
-                <a:latin typeface="+mn-lt"/>
-                <a:ea typeface="+mn-ea"/>
-                <a:cs typeface="+mn-cs"/>
-              </a:defRPr>
-            </a:lvl8pPr>
-            <a:lvl9pPr marL="3886200" indent="-228600" algn="l" defTabSz="914400" rtl="0" eaLnBrk="1" latinLnBrk="0" hangingPunct="1">
-              <a:spcBef>
-                <a:spcPct val="20000"/>
-              </a:spcBef>
-              <a:buFont typeface="Arial" pitchFamily="34" charset="0"/>
-              <a:buChar char="•"/>
-              <a:defRPr sz="2000" kern="1200">
-                <a:solidFill>
-                  <a:schemeClr val="tx1"/>
-                </a:solidFill>
-                <a:latin typeface="+mn-lt"/>
-                <a:ea typeface="+mn-ea"/>
-                <a:cs typeface="+mn-cs"/>
-              </a:defRPr>
-            </a:lvl9pPr>
-          </a:lstStyle>
-          <a:p>
-            <a:pPr marL="0" indent="0">
-              <a:lnSpc>
-                <a:spcPts val="2000"/>
-              </a:lnSpc>
-              <a:spcBef>
-                <a:spcPct val="0"/>
-              </a:spcBef>
-              <a:spcAft>
-                <a:spcPts val="600"/>
-              </a:spcAft>
-              <a:buNone/>
-            </a:pPr>
-            <a:r>
-              <a:rPr lang="es-ES_tradnl" altLang="es-MX" sz="1400" dirty="0">
-                <a:solidFill>
-                  <a:schemeClr val="bg2">
-                    <a:lumMod val="10000"/>
-                  </a:schemeClr>
-                </a:solidFill>
-                <a:latin typeface="Dom Casual" charset="0"/>
-              </a:rPr>
-              <a:t>La clase </a:t>
-            </a:r>
-            <a:r>
-              <a:rPr lang="es-ES_tradnl" altLang="es-MX" sz="1400" b="1" dirty="0">
-                <a:solidFill>
-                  <a:schemeClr val="accent5">
-                    <a:lumMod val="75000"/>
-                  </a:schemeClr>
-                </a:solidFill>
-                <a:latin typeface="Dom Casual" charset="0"/>
-              </a:rPr>
-              <a:t>AgenteVentas</a:t>
-            </a:r>
-            <a:r>
-              <a:rPr lang="es-ES_tradnl" altLang="es-MX" sz="1400" dirty="0">
-                <a:solidFill>
-                  <a:schemeClr val="bg2">
-                    <a:lumMod val="10000"/>
-                  </a:schemeClr>
-                </a:solidFill>
-                <a:latin typeface="Dom Casual" charset="0"/>
-              </a:rPr>
-              <a:t> puede redefinir el método </a:t>
-            </a:r>
-            <a:r>
-              <a:rPr lang="es-ES_tradnl" altLang="es-MX" sz="1400" b="1" dirty="0">
-                <a:solidFill>
-                  <a:schemeClr val="accent6">
-                    <a:lumMod val="75000"/>
-                  </a:schemeClr>
-                </a:solidFill>
-                <a:latin typeface="Dom Casual" charset="0"/>
-              </a:rPr>
-              <a:t>mostrarDatos</a:t>
-            </a:r>
-            <a:r>
-              <a:rPr lang="es-ES_tradnl" altLang="es-MX" sz="1400" dirty="0">
-                <a:solidFill>
-                  <a:schemeClr val="bg2">
-                    <a:lumMod val="10000"/>
-                  </a:schemeClr>
-                </a:solidFill>
-                <a:latin typeface="Dom Casual" charset="0"/>
-              </a:rPr>
-              <a:t>.</a:t>
-            </a:r>
-          </a:p>
-        </p:txBody>
-      </p:sp>
       <p:pic>
         <p:nvPicPr>
           <p:cNvPr id="9" name="Imagen 8">
@@ -12195,14 +12607,297 @@
         </p:blipFill>
         <p:spPr>
           <a:xfrm>
-            <a:off x="539552" y="1412776"/>
-            <a:ext cx="5616160" cy="4810844"/>
+            <a:off x="755576" y="1143001"/>
+            <a:ext cx="6120680" cy="5243020"/>
           </a:xfrm>
           <a:prstGeom prst="rect">
             <a:avLst/>
           </a:prstGeom>
         </p:spPr>
       </p:pic>
+      <p:sp>
+        <p:nvSpPr>
+          <p:cNvPr id="6" name="Rectangle 2">
+            <a:extLst>
+              <a:ext uri="{FF2B5EF4-FFF2-40B4-BE49-F238E27FC236}">
+                <a16:creationId xmlns:a16="http://schemas.microsoft.com/office/drawing/2014/main" id="{08912013-0DAA-4E2F-81D3-4CE3B7140A06}"/>
+              </a:ext>
+            </a:extLst>
+          </p:cNvPr>
+          <p:cNvSpPr>
+            <a:spLocks noGrp="1" noChangeArrowheads="1"/>
+          </p:cNvSpPr>
+          <p:nvPr>
+            <p:ph type="title"/>
+          </p:nvPr>
+        </p:nvSpPr>
+        <p:spPr>
+          <a:xfrm>
+            <a:off x="925513" y="0"/>
+            <a:ext cx="7174879" cy="1143001"/>
+          </a:xfrm>
+        </p:spPr>
+        <p:txBody>
+          <a:bodyPr>
+            <a:normAutofit/>
+          </a:bodyPr>
+          <a:lstStyle/>
+          <a:p>
+            <a:pPr algn="ctr"/>
+            <a:r>
+              <a:rPr lang="es-ES_tradnl" altLang="es-MX" b="1" dirty="0">
+                <a:solidFill>
+                  <a:schemeClr val="accent4">
+                    <a:lumMod val="50000"/>
+                  </a:schemeClr>
+                </a:solidFill>
+                <a:effectLst>
+                  <a:outerShdw blurRad="38100" dist="38100" dir="2700000" algn="tl">
+                    <a:srgbClr val="C0C0C0"/>
+                  </a:outerShdw>
+                </a:effectLst>
+                <a:latin typeface="Dom Casual" charset="0"/>
+              </a:rPr>
+              <a:t>Ejemplo: Herencia</a:t>
+            </a:r>
+          </a:p>
+        </p:txBody>
+      </p:sp>
+      <p:sp>
+        <p:nvSpPr>
+          <p:cNvPr id="8" name="Rectangle 3">
+            <a:extLst>
+              <a:ext uri="{FF2B5EF4-FFF2-40B4-BE49-F238E27FC236}">
+                <a16:creationId xmlns:a16="http://schemas.microsoft.com/office/drawing/2014/main" id="{36965C09-729F-4A40-B173-C14D1DCB7A9A}"/>
+              </a:ext>
+            </a:extLst>
+          </p:cNvPr>
+          <p:cNvSpPr txBox="1">
+            <a:spLocks noChangeArrowheads="1"/>
+          </p:cNvSpPr>
+          <p:nvPr/>
+        </p:nvSpPr>
+        <p:spPr>
+          <a:xfrm>
+            <a:off x="6162410" y="1772816"/>
+            <a:ext cx="2304256" cy="1143001"/>
+          </a:xfrm>
+          <a:prstGeom prst="rect">
+            <a:avLst/>
+          </a:prstGeom>
+        </p:spPr>
+        <p:txBody>
+          <a:bodyPr vert="horz" lIns="91440" tIns="45720" rIns="91440" bIns="45720" rtlCol="0">
+            <a:noAutofit/>
+          </a:bodyPr>
+          <a:lstStyle>
+            <a:lvl1pPr marL="342900" indent="-342900" algn="l" defTabSz="914400" rtl="0" eaLnBrk="1" latinLnBrk="0" hangingPunct="1">
+              <a:spcBef>
+                <a:spcPct val="20000"/>
+              </a:spcBef>
+              <a:buFont typeface="Arial" pitchFamily="34" charset="0"/>
+              <a:buChar char="•"/>
+              <a:defRPr sz="3200" kern="1200">
+                <a:solidFill>
+                  <a:schemeClr val="tx1"/>
+                </a:solidFill>
+                <a:latin typeface="+mn-lt"/>
+                <a:ea typeface="+mn-ea"/>
+                <a:cs typeface="+mn-cs"/>
+              </a:defRPr>
+            </a:lvl1pPr>
+            <a:lvl2pPr marL="742950" indent="-285750" algn="l" defTabSz="914400" rtl="0" eaLnBrk="1" latinLnBrk="0" hangingPunct="1">
+              <a:spcBef>
+                <a:spcPct val="20000"/>
+              </a:spcBef>
+              <a:buFont typeface="Arial" pitchFamily="34" charset="0"/>
+              <a:buChar char="–"/>
+              <a:defRPr sz="2800" kern="1200">
+                <a:solidFill>
+                  <a:schemeClr val="tx1"/>
+                </a:solidFill>
+                <a:latin typeface="+mn-lt"/>
+                <a:ea typeface="+mn-ea"/>
+                <a:cs typeface="+mn-cs"/>
+              </a:defRPr>
+            </a:lvl2pPr>
+            <a:lvl3pPr marL="1143000" indent="-228600" algn="l" defTabSz="914400" rtl="0" eaLnBrk="1" latinLnBrk="0" hangingPunct="1">
+              <a:spcBef>
+                <a:spcPct val="20000"/>
+              </a:spcBef>
+              <a:buFont typeface="Arial" pitchFamily="34" charset="0"/>
+              <a:buChar char="•"/>
+              <a:defRPr sz="2400" kern="1200">
+                <a:solidFill>
+                  <a:schemeClr val="tx1"/>
+                </a:solidFill>
+                <a:latin typeface="+mn-lt"/>
+                <a:ea typeface="+mn-ea"/>
+                <a:cs typeface="+mn-cs"/>
+              </a:defRPr>
+            </a:lvl3pPr>
+            <a:lvl4pPr marL="1600200" indent="-228600" algn="l" defTabSz="914400" rtl="0" eaLnBrk="1" latinLnBrk="0" hangingPunct="1">
+              <a:spcBef>
+                <a:spcPct val="20000"/>
+              </a:spcBef>
+              <a:buFont typeface="Arial" pitchFamily="34" charset="0"/>
+              <a:buChar char="–"/>
+              <a:defRPr sz="2000" kern="1200">
+                <a:solidFill>
+                  <a:schemeClr val="tx1"/>
+                </a:solidFill>
+                <a:latin typeface="+mn-lt"/>
+                <a:ea typeface="+mn-ea"/>
+                <a:cs typeface="+mn-cs"/>
+              </a:defRPr>
+            </a:lvl4pPr>
+            <a:lvl5pPr marL="2057400" indent="-228600" algn="l" defTabSz="914400" rtl="0" eaLnBrk="1" latinLnBrk="0" hangingPunct="1">
+              <a:spcBef>
+                <a:spcPct val="20000"/>
+              </a:spcBef>
+              <a:buFont typeface="Arial" pitchFamily="34" charset="0"/>
+              <a:buChar char="»"/>
+              <a:defRPr sz="2000" kern="1200">
+                <a:solidFill>
+                  <a:schemeClr val="tx1"/>
+                </a:solidFill>
+                <a:latin typeface="+mn-lt"/>
+                <a:ea typeface="+mn-ea"/>
+                <a:cs typeface="+mn-cs"/>
+              </a:defRPr>
+            </a:lvl5pPr>
+            <a:lvl6pPr marL="2514600" indent="-228600" algn="l" defTabSz="914400" rtl="0" eaLnBrk="1" latinLnBrk="0" hangingPunct="1">
+              <a:spcBef>
+                <a:spcPct val="20000"/>
+              </a:spcBef>
+              <a:buFont typeface="Arial" pitchFamily="34" charset="0"/>
+              <a:buChar char="•"/>
+              <a:defRPr sz="2000" kern="1200">
+                <a:solidFill>
+                  <a:schemeClr val="tx1"/>
+                </a:solidFill>
+                <a:latin typeface="+mn-lt"/>
+                <a:ea typeface="+mn-ea"/>
+                <a:cs typeface="+mn-cs"/>
+              </a:defRPr>
+            </a:lvl6pPr>
+            <a:lvl7pPr marL="2971800" indent="-228600" algn="l" defTabSz="914400" rtl="0" eaLnBrk="1" latinLnBrk="0" hangingPunct="1">
+              <a:spcBef>
+                <a:spcPct val="20000"/>
+              </a:spcBef>
+              <a:buFont typeface="Arial" pitchFamily="34" charset="0"/>
+              <a:buChar char="•"/>
+              <a:defRPr sz="2000" kern="1200">
+                <a:solidFill>
+                  <a:schemeClr val="tx1"/>
+                </a:solidFill>
+                <a:latin typeface="+mn-lt"/>
+                <a:ea typeface="+mn-ea"/>
+                <a:cs typeface="+mn-cs"/>
+              </a:defRPr>
+            </a:lvl7pPr>
+            <a:lvl8pPr marL="3429000" indent="-228600" algn="l" defTabSz="914400" rtl="0" eaLnBrk="1" latinLnBrk="0" hangingPunct="1">
+              <a:spcBef>
+                <a:spcPct val="20000"/>
+              </a:spcBef>
+              <a:buFont typeface="Arial" pitchFamily="34" charset="0"/>
+              <a:buChar char="•"/>
+              <a:defRPr sz="2000" kern="1200">
+                <a:solidFill>
+                  <a:schemeClr val="tx1"/>
+                </a:solidFill>
+                <a:latin typeface="+mn-lt"/>
+                <a:ea typeface="+mn-ea"/>
+                <a:cs typeface="+mn-cs"/>
+              </a:defRPr>
+            </a:lvl8pPr>
+            <a:lvl9pPr marL="3886200" indent="-228600" algn="l" defTabSz="914400" rtl="0" eaLnBrk="1" latinLnBrk="0" hangingPunct="1">
+              <a:spcBef>
+                <a:spcPct val="20000"/>
+              </a:spcBef>
+              <a:buFont typeface="Arial" pitchFamily="34" charset="0"/>
+              <a:buChar char="•"/>
+              <a:defRPr sz="2000" kern="1200">
+                <a:solidFill>
+                  <a:schemeClr val="tx1"/>
+                </a:solidFill>
+                <a:latin typeface="+mn-lt"/>
+                <a:ea typeface="+mn-ea"/>
+                <a:cs typeface="+mn-cs"/>
+              </a:defRPr>
+            </a:lvl9pPr>
+          </a:lstStyle>
+          <a:p>
+            <a:pPr marL="0" indent="0">
+              <a:lnSpc>
+                <a:spcPts val="2000"/>
+              </a:lnSpc>
+              <a:spcBef>
+                <a:spcPct val="0"/>
+              </a:spcBef>
+              <a:spcAft>
+                <a:spcPts val="600"/>
+              </a:spcAft>
+              <a:buNone/>
+            </a:pPr>
+            <a:r>
+              <a:rPr lang="es-ES_tradnl" altLang="es-MX" sz="1400" dirty="0">
+                <a:solidFill>
+                  <a:schemeClr val="bg2">
+                    <a:lumMod val="10000"/>
+                  </a:schemeClr>
+                </a:solidFill>
+                <a:latin typeface="Dom Casual" charset="0"/>
+              </a:rPr>
+              <a:t>La clase </a:t>
+            </a:r>
+            <a:r>
+              <a:rPr lang="es-ES_tradnl" altLang="es-MX" sz="1400" b="1" dirty="0">
+                <a:solidFill>
+                  <a:schemeClr val="accent5">
+                    <a:lumMod val="75000"/>
+                  </a:schemeClr>
+                </a:solidFill>
+                <a:latin typeface="Dom Casual" charset="0"/>
+              </a:rPr>
+              <a:t>AgenteVentas</a:t>
+            </a:r>
+            <a:r>
+              <a:rPr lang="es-ES_tradnl" altLang="es-MX" sz="1400" dirty="0">
+                <a:solidFill>
+                  <a:schemeClr val="bg2">
+                    <a:lumMod val="10000"/>
+                  </a:schemeClr>
+                </a:solidFill>
+                <a:latin typeface="Dom Casual" charset="0"/>
+              </a:rPr>
+              <a:t> puede redefinir el método </a:t>
+            </a:r>
+            <a:r>
+              <a:rPr lang="es-ES_tradnl" altLang="es-MX" sz="1400" b="1" dirty="0">
+                <a:solidFill>
+                  <a:schemeClr val="accent6">
+                    <a:lumMod val="75000"/>
+                  </a:schemeClr>
+                </a:solidFill>
+                <a:latin typeface="Dom Casual" charset="0"/>
+              </a:rPr>
+              <a:t>mostrarDatos</a:t>
+            </a:r>
+            <a:r>
+              <a:rPr lang="es-ES_tradnl" altLang="es-MX" sz="1400" dirty="0">
+                <a:solidFill>
+                  <a:schemeClr val="bg2">
+                    <a:lumMod val="10000"/>
+                  </a:schemeClr>
+                </a:solidFill>
+                <a:latin typeface="Dom Casual" charset="0"/>
+              </a:rPr>
+              <a:t>.</a:t>
+            </a:r>
+          </a:p>
+        </p:txBody>
+      </p:sp>
       <p:pic>
         <p:nvPicPr>
           <p:cNvPr id="3" name="Imagen 2">
